--- a/Presentation/Performance modelling of skewed demand in complex systems.pptx
+++ b/Presentation/Performance modelling of skewed demand in complex systems.pptx
@@ -5,10 +5,10 @@
     <p:sldMasterId id="2147483924" r:id="rId2"/>
   </p:sldMasterIdLst>
   <p:notesMasterIdLst>
-    <p:notesMasterId r:id="rId26"/>
+    <p:notesMasterId r:id="rId27"/>
   </p:notesMasterIdLst>
   <p:handoutMasterIdLst>
-    <p:handoutMasterId r:id="rId27"/>
+    <p:handoutMasterId r:id="rId28"/>
   </p:handoutMasterIdLst>
   <p:sldIdLst>
     <p:sldId id="257" r:id="rId3"/>
@@ -31,9 +31,10 @@
     <p:sldId id="289" r:id="rId20"/>
     <p:sldId id="281" r:id="rId21"/>
     <p:sldId id="288" r:id="rId22"/>
-    <p:sldId id="285" r:id="rId23"/>
-    <p:sldId id="278" r:id="rId24"/>
-    <p:sldId id="270" r:id="rId25"/>
+    <p:sldId id="291" r:id="rId23"/>
+    <p:sldId id="285" r:id="rId24"/>
+    <p:sldId id="278" r:id="rId25"/>
+    <p:sldId id="270" r:id="rId26"/>
   </p:sldIdLst>
   <p:sldSz cx="9144000" cy="6858000" type="screen4x3"/>
   <p:notesSz cx="10233025" cy="7102475"/>
@@ -202,12 +203,502 @@
               </a:defRPr>
             </a:pPr>
             <a:r>
+              <a:rPr lang="en-GB" dirty="0" smtClean="0"/>
+              <a:t>Actual athletics</a:t>
+            </a:r>
+            <a:r>
+              <a:rPr lang="en-GB" baseline="0" dirty="0" smtClean="0"/>
+              <a:t> throughput (with replication and without)</a:t>
+            </a:r>
+            <a:endParaRPr lang="en-GB" dirty="0"/>
+          </a:p>
+        </c:rich>
+      </c:tx>
+      <c:layout/>
+      <c:overlay val="0"/>
+      <c:spPr>
+        <a:noFill/>
+        <a:ln>
+          <a:noFill/>
+        </a:ln>
+        <a:effectLst/>
+      </c:spPr>
+      <c:txPr>
+        <a:bodyPr rot="0" spcFirstLastPara="1" vertOverflow="ellipsis" vert="horz" wrap="square" anchor="ctr" anchorCtr="1"/>
+        <a:lstStyle/>
+        <a:p>
+          <a:pPr>
+            <a:defRPr sz="1862" b="0" i="0" u="none" strike="noStrike" kern="1200" spc="0" baseline="0">
+              <a:solidFill>
+                <a:schemeClr val="tx1">
+                  <a:lumMod val="65000"/>
+                  <a:lumOff val="35000"/>
+                </a:schemeClr>
+              </a:solidFill>
+              <a:latin typeface="+mn-lt"/>
+              <a:ea typeface="+mn-ea"/>
+              <a:cs typeface="+mn-cs"/>
+            </a:defRPr>
+          </a:pPr>
+          <a:endParaRPr lang="en-US"/>
+        </a:p>
+      </c:txPr>
+    </c:title>
+    <c:autoTitleDeleted val="0"/>
+    <c:plotArea>
+      <c:layout/>
+      <c:lineChart>
+        <c:grouping val="standard"/>
+        <c:varyColors val="0"/>
+        <c:ser>
+          <c:idx val="0"/>
+          <c:order val="0"/>
+          <c:tx>
+            <c:strRef>
+              <c:f>Sheet1!$B$1</c:f>
+              <c:strCache>
+                <c:ptCount val="1"/>
+                <c:pt idx="0">
+                  <c:v>Replication</c:v>
+                </c:pt>
+              </c:strCache>
+            </c:strRef>
+          </c:tx>
+          <c:spPr>
+            <a:ln w="28575" cap="rnd">
+              <a:solidFill>
+                <a:schemeClr val="accent1"/>
+              </a:solidFill>
+              <a:round/>
+            </a:ln>
+            <a:effectLst/>
+          </c:spPr>
+          <c:marker>
+            <c:symbol val="none"/>
+          </c:marker>
+          <c:cat>
+            <c:numRef>
+              <c:f>Sheet1!$A$2:$A$11</c:f>
+              <c:numCache>
+                <c:formatCode>General</c:formatCode>
+                <c:ptCount val="10"/>
+                <c:pt idx="0">
+                  <c:v>1</c:v>
+                </c:pt>
+                <c:pt idx="1">
+                  <c:v>2</c:v>
+                </c:pt>
+                <c:pt idx="2">
+                  <c:v>3</c:v>
+                </c:pt>
+                <c:pt idx="3">
+                  <c:v>4</c:v>
+                </c:pt>
+                <c:pt idx="4">
+                  <c:v>5</c:v>
+                </c:pt>
+                <c:pt idx="5">
+                  <c:v>6</c:v>
+                </c:pt>
+                <c:pt idx="6">
+                  <c:v>7</c:v>
+                </c:pt>
+                <c:pt idx="7">
+                  <c:v>8</c:v>
+                </c:pt>
+                <c:pt idx="8">
+                  <c:v>9</c:v>
+                </c:pt>
+                <c:pt idx="9">
+                  <c:v>10</c:v>
+                </c:pt>
+              </c:numCache>
+            </c:numRef>
+          </c:cat>
+          <c:val>
+            <c:numRef>
+              <c:f>Sheet1!$B$2:$B$11</c:f>
+              <c:numCache>
+                <c:formatCode>General</c:formatCode>
+                <c:ptCount val="10"/>
+                <c:pt idx="0">
+                  <c:v>111.974</c:v>
+                </c:pt>
+                <c:pt idx="1">
+                  <c:v>219.24799999999999</c:v>
+                </c:pt>
+                <c:pt idx="2">
+                  <c:v>336.25400000000002</c:v>
+                </c:pt>
+                <c:pt idx="3">
+                  <c:v>379.096</c:v>
+                </c:pt>
+                <c:pt idx="4">
+                  <c:v>393.12199999999899</c:v>
+                </c:pt>
+                <c:pt idx="5">
+                  <c:v>404.55</c:v>
+                </c:pt>
+                <c:pt idx="6">
+                  <c:v>415.50599999999997</c:v>
+                </c:pt>
+                <c:pt idx="7">
+                  <c:v>416.2</c:v>
+                </c:pt>
+                <c:pt idx="8">
+                  <c:v>414.04799999999898</c:v>
+                </c:pt>
+                <c:pt idx="9">
+                  <c:v>422.42399999999998</c:v>
+                </c:pt>
+              </c:numCache>
+            </c:numRef>
+          </c:val>
+          <c:smooth val="0"/>
+          <c:extLst>
+            <c:ext xmlns:c16="http://schemas.microsoft.com/office/drawing/2014/chart" uri="{C3380CC4-5D6E-409C-BE32-E72D297353CC}">
+              <c16:uniqueId val="{00000000-82C0-458D-BFE2-110496F4459F}"/>
+            </c:ext>
+          </c:extLst>
+        </c:ser>
+        <c:ser>
+          <c:idx val="1"/>
+          <c:order val="1"/>
+          <c:tx>
+            <c:strRef>
+              <c:f>Sheet1!$C$1</c:f>
+              <c:strCache>
+                <c:ptCount val="1"/>
+                <c:pt idx="0">
+                  <c:v>No Replica</c:v>
+                </c:pt>
+              </c:strCache>
+            </c:strRef>
+          </c:tx>
+          <c:spPr>
+            <a:ln w="28575" cap="rnd">
+              <a:solidFill>
+                <a:schemeClr val="accent2"/>
+              </a:solidFill>
+              <a:round/>
+            </a:ln>
+            <a:effectLst/>
+          </c:spPr>
+          <c:marker>
+            <c:symbol val="none"/>
+          </c:marker>
+          <c:cat>
+            <c:numRef>
+              <c:f>Sheet1!$A$2:$A$11</c:f>
+              <c:numCache>
+                <c:formatCode>General</c:formatCode>
+                <c:ptCount val="10"/>
+                <c:pt idx="0">
+                  <c:v>1</c:v>
+                </c:pt>
+                <c:pt idx="1">
+                  <c:v>2</c:v>
+                </c:pt>
+                <c:pt idx="2">
+                  <c:v>3</c:v>
+                </c:pt>
+                <c:pt idx="3">
+                  <c:v>4</c:v>
+                </c:pt>
+                <c:pt idx="4">
+                  <c:v>5</c:v>
+                </c:pt>
+                <c:pt idx="5">
+                  <c:v>6</c:v>
+                </c:pt>
+                <c:pt idx="6">
+                  <c:v>7</c:v>
+                </c:pt>
+                <c:pt idx="7">
+                  <c:v>8</c:v>
+                </c:pt>
+                <c:pt idx="8">
+                  <c:v>9</c:v>
+                </c:pt>
+                <c:pt idx="9">
+                  <c:v>10</c:v>
+                </c:pt>
+              </c:numCache>
+            </c:numRef>
+          </c:cat>
+          <c:val>
+            <c:numRef>
+              <c:f>Sheet1!$C$2:$C$11</c:f>
+              <c:numCache>
+                <c:formatCode>General</c:formatCode>
+                <c:ptCount val="10"/>
+                <c:pt idx="0">
+                  <c:v>94.554000000000002</c:v>
+                </c:pt>
+                <c:pt idx="1">
+                  <c:v>186.024</c:v>
+                </c:pt>
+                <c:pt idx="2">
+                  <c:v>282.04000000000002</c:v>
+                </c:pt>
+                <c:pt idx="3">
+                  <c:v>346.47199999999998</c:v>
+                </c:pt>
+                <c:pt idx="4">
+                  <c:v>358.00400000000002</c:v>
+                </c:pt>
+                <c:pt idx="5">
+                  <c:v>366.89599999999899</c:v>
+                </c:pt>
+                <c:pt idx="6">
+                  <c:v>369.28599999999898</c:v>
+                </c:pt>
+                <c:pt idx="7">
+                  <c:v>378.13799999999998</c:v>
+                </c:pt>
+                <c:pt idx="8">
+                  <c:v>374.62400000000002</c:v>
+                </c:pt>
+                <c:pt idx="9">
+                  <c:v>378.9</c:v>
+                </c:pt>
+              </c:numCache>
+            </c:numRef>
+          </c:val>
+          <c:smooth val="0"/>
+          <c:extLst>
+            <c:ext xmlns:c16="http://schemas.microsoft.com/office/drawing/2014/chart" uri="{C3380CC4-5D6E-409C-BE32-E72D297353CC}">
+              <c16:uniqueId val="{00000001-82C0-458D-BFE2-110496F4459F}"/>
+            </c:ext>
+          </c:extLst>
+        </c:ser>
+        <c:dLbls>
+          <c:showLegendKey val="0"/>
+          <c:showVal val="0"/>
+          <c:showCatName val="0"/>
+          <c:showSerName val="0"/>
+          <c:showPercent val="0"/>
+          <c:showBubbleSize val="0"/>
+        </c:dLbls>
+        <c:smooth val="0"/>
+        <c:axId val="382517968"/>
+        <c:axId val="382521248"/>
+      </c:lineChart>
+      <c:catAx>
+        <c:axId val="382517968"/>
+        <c:scaling>
+          <c:orientation val="minMax"/>
+        </c:scaling>
+        <c:delete val="0"/>
+        <c:axPos val="b"/>
+        <c:numFmt formatCode="General" sourceLinked="1"/>
+        <c:majorTickMark val="none"/>
+        <c:minorTickMark val="none"/>
+        <c:tickLblPos val="nextTo"/>
+        <c:spPr>
+          <a:noFill/>
+          <a:ln w="9525" cap="flat" cmpd="sng" algn="ctr">
+            <a:solidFill>
+              <a:schemeClr val="tx1">
+                <a:lumMod val="15000"/>
+                <a:lumOff val="85000"/>
+              </a:schemeClr>
+            </a:solidFill>
+            <a:round/>
+          </a:ln>
+          <a:effectLst/>
+        </c:spPr>
+        <c:txPr>
+          <a:bodyPr rot="-60000000" spcFirstLastPara="1" vertOverflow="ellipsis" vert="horz" wrap="square" anchor="ctr" anchorCtr="1"/>
+          <a:lstStyle/>
+          <a:p>
+            <a:pPr>
+              <a:defRPr sz="1197" b="0" i="0" u="none" strike="noStrike" kern="1200" baseline="0">
+                <a:solidFill>
+                  <a:schemeClr val="tx1">
+                    <a:lumMod val="65000"/>
+                    <a:lumOff val="35000"/>
+                  </a:schemeClr>
+                </a:solidFill>
+                <a:latin typeface="+mn-lt"/>
+                <a:ea typeface="+mn-ea"/>
+                <a:cs typeface="+mn-cs"/>
+              </a:defRPr>
+            </a:pPr>
+            <a:endParaRPr lang="en-US"/>
+          </a:p>
+        </c:txPr>
+        <c:crossAx val="382521248"/>
+        <c:crosses val="autoZero"/>
+        <c:auto val="1"/>
+        <c:lblAlgn val="ctr"/>
+        <c:lblOffset val="100"/>
+        <c:noMultiLvlLbl val="0"/>
+      </c:catAx>
+      <c:valAx>
+        <c:axId val="382521248"/>
+        <c:scaling>
+          <c:orientation val="minMax"/>
+        </c:scaling>
+        <c:delete val="0"/>
+        <c:axPos val="l"/>
+        <c:majorGridlines>
+          <c:spPr>
+            <a:ln w="9525" cap="flat" cmpd="sng" algn="ctr">
+              <a:solidFill>
+                <a:schemeClr val="tx1">
+                  <a:lumMod val="15000"/>
+                  <a:lumOff val="85000"/>
+                </a:schemeClr>
+              </a:solidFill>
+              <a:round/>
+            </a:ln>
+            <a:effectLst/>
+          </c:spPr>
+        </c:majorGridlines>
+        <c:numFmt formatCode="General" sourceLinked="1"/>
+        <c:majorTickMark val="none"/>
+        <c:minorTickMark val="none"/>
+        <c:tickLblPos val="nextTo"/>
+        <c:spPr>
+          <a:noFill/>
+          <a:ln>
+            <a:noFill/>
+          </a:ln>
+          <a:effectLst/>
+        </c:spPr>
+        <c:txPr>
+          <a:bodyPr rot="-60000000" spcFirstLastPara="1" vertOverflow="ellipsis" vert="horz" wrap="square" anchor="ctr" anchorCtr="1"/>
+          <a:lstStyle/>
+          <a:p>
+            <a:pPr>
+              <a:defRPr sz="1197" b="0" i="0" u="none" strike="noStrike" kern="1200" baseline="0">
+                <a:solidFill>
+                  <a:schemeClr val="tx1">
+                    <a:lumMod val="65000"/>
+                    <a:lumOff val="35000"/>
+                  </a:schemeClr>
+                </a:solidFill>
+                <a:latin typeface="+mn-lt"/>
+                <a:ea typeface="+mn-ea"/>
+                <a:cs typeface="+mn-cs"/>
+              </a:defRPr>
+            </a:pPr>
+            <a:endParaRPr lang="en-US"/>
+          </a:p>
+        </c:txPr>
+        <c:crossAx val="382517968"/>
+        <c:crosses val="autoZero"/>
+        <c:crossBetween val="between"/>
+      </c:valAx>
+      <c:spPr>
+        <a:noFill/>
+        <a:ln>
+          <a:noFill/>
+        </a:ln>
+        <a:effectLst/>
+      </c:spPr>
+    </c:plotArea>
+    <c:legend>
+      <c:legendPos val="b"/>
+      <c:layout/>
+      <c:overlay val="0"/>
+      <c:spPr>
+        <a:noFill/>
+        <a:ln>
+          <a:noFill/>
+        </a:ln>
+        <a:effectLst/>
+      </c:spPr>
+      <c:txPr>
+        <a:bodyPr rot="0" spcFirstLastPara="1" vertOverflow="ellipsis" vert="horz" wrap="square" anchor="ctr" anchorCtr="1"/>
+        <a:lstStyle/>
+        <a:p>
+          <a:pPr>
+            <a:defRPr sz="1197" b="0" i="0" u="none" strike="noStrike" kern="1200" baseline="0">
+              <a:solidFill>
+                <a:schemeClr val="tx1">
+                  <a:lumMod val="65000"/>
+                  <a:lumOff val="35000"/>
+                </a:schemeClr>
+              </a:solidFill>
+              <a:latin typeface="+mn-lt"/>
+              <a:ea typeface="+mn-ea"/>
+              <a:cs typeface="+mn-cs"/>
+            </a:defRPr>
+          </a:pPr>
+          <a:endParaRPr lang="en-US"/>
+        </a:p>
+      </c:txPr>
+    </c:legend>
+    <c:plotVisOnly val="1"/>
+    <c:dispBlanksAs val="gap"/>
+    <c:showDLblsOverMax val="0"/>
+  </c:chart>
+  <c:spPr>
+    <a:noFill/>
+    <a:ln>
+      <a:noFill/>
+    </a:ln>
+    <a:effectLst/>
+  </c:spPr>
+  <c:txPr>
+    <a:bodyPr/>
+    <a:lstStyle/>
+    <a:p>
+      <a:pPr>
+        <a:defRPr/>
+      </a:pPr>
+      <a:endParaRPr lang="en-US"/>
+    </a:p>
+  </c:txPr>
+  <c:externalData r:id="rId3">
+    <c:autoUpdate val="0"/>
+  </c:externalData>
+</c:chartSpace>
+</file>
+
+<file path=ppt/charts/chart2.xml><?xml version="1.0" encoding="utf-8"?>
+<c:chartSpace xmlns:c="http://schemas.openxmlformats.org/drawingml/2006/chart" xmlns:a="http://schemas.openxmlformats.org/drawingml/2006/main" xmlns:r="http://schemas.openxmlformats.org/officeDocument/2006/relationships" xmlns:c16r2="http://schemas.microsoft.com/office/drawing/2015/06/chart">
+  <c:date1904 val="0"/>
+  <c:lang val="en-US"/>
+  <c:roundedCorners val="0"/>
+  <mc:AlternateContent xmlns:mc="http://schemas.openxmlformats.org/markup-compatibility/2006">
+    <mc:Choice xmlns:c14="http://schemas.microsoft.com/office/drawing/2007/8/2/chart" Requires="c14">
+      <c14:style val="102"/>
+    </mc:Choice>
+    <mc:Fallback>
+      <c:style val="2"/>
+    </mc:Fallback>
+  </mc:AlternateContent>
+  <c:chart>
+    <c:title>
+      <c:tx>
+        <c:rich>
+          <a:bodyPr rot="0" spcFirstLastPara="1" vertOverflow="ellipsis" vert="horz" wrap="square" anchor="ctr" anchorCtr="1"/>
+          <a:lstStyle/>
+          <a:p>
+            <a:pPr>
+              <a:defRPr sz="1862" b="0" i="0" u="none" strike="noStrike" kern="1200" spc="0" baseline="0">
+                <a:solidFill>
+                  <a:schemeClr val="tx1">
+                    <a:lumMod val="65000"/>
+                    <a:lumOff val="35000"/>
+                  </a:schemeClr>
+                </a:solidFill>
+                <a:latin typeface="+mn-lt"/>
+                <a:ea typeface="+mn-ea"/>
+                <a:cs typeface="+mn-cs"/>
+              </a:defRPr>
+            </a:pPr>
+            <a:r>
               <a:rPr lang="en-GB" dirty="0"/>
               <a:t>DB node throughput (model)</a:t>
             </a:r>
           </a:p>
         </c:rich>
       </c:tx>
+      <c:layout/>
       <c:overlay val="0"/>
       <c:spPr>
         <a:noFill/>
@@ -590,6 +1081,7 @@
     </c:plotArea>
     <c:legend>
       <c:legendPos val="b"/>
+      <c:layout/>
       <c:overlay val="0"/>
       <c:spPr>
         <a:noFill/>
@@ -646,7 +1138,7 @@
 </c:chartSpace>
 </file>
 
-<file path=ppt/charts/chart2.xml><?xml version="1.0" encoding="utf-8"?>
+<file path=ppt/charts/chart3.xml><?xml version="1.0" encoding="utf-8"?>
 <c:chartSpace xmlns:c="http://schemas.openxmlformats.org/drawingml/2006/chart" xmlns:a="http://schemas.openxmlformats.org/drawingml/2006/main" xmlns:r="http://schemas.openxmlformats.org/officeDocument/2006/relationships" xmlns:c16r2="http://schemas.microsoft.com/office/drawing/2015/06/chart">
   <c:date1904 val="0"/>
   <c:lang val="en-US"/>
@@ -691,6 +1183,7 @@
           </a:p>
         </c:rich>
       </c:tx>
+      <c:layout/>
       <c:overlay val="0"/>
       <c:spPr>
         <a:noFill/>
@@ -1074,6 +1567,7 @@
     </c:plotArea>
     <c:legend>
       <c:legendPos val="b"/>
+      <c:layout/>
       <c:overlay val="0"/>
       <c:spPr>
         <a:noFill/>
@@ -1210,8 +1704,48 @@
 </cs:colorStyle>
 </file>
 
+<file path=ppt/charts/colors3.xml><?xml version="1.0" encoding="utf-8"?>
+<cs:colorStyle xmlns:cs="http://schemas.microsoft.com/office/drawing/2012/chartStyle" xmlns:a="http://schemas.openxmlformats.org/drawingml/2006/main" meth="cycle" id="10">
+  <a:schemeClr val="accent1"/>
+  <a:schemeClr val="accent2"/>
+  <a:schemeClr val="accent3"/>
+  <a:schemeClr val="accent4"/>
+  <a:schemeClr val="accent5"/>
+  <a:schemeClr val="accent6"/>
+  <cs:variation/>
+  <cs:variation>
+    <a:lumMod val="60000"/>
+  </cs:variation>
+  <cs:variation>
+    <a:lumMod val="80000"/>
+    <a:lumOff val="20000"/>
+  </cs:variation>
+  <cs:variation>
+    <a:lumMod val="80000"/>
+  </cs:variation>
+  <cs:variation>
+    <a:lumMod val="60000"/>
+    <a:lumOff val="40000"/>
+  </cs:variation>
+  <cs:variation>
+    <a:lumMod val="50000"/>
+  </cs:variation>
+  <cs:variation>
+    <a:lumMod val="70000"/>
+    <a:lumOff val="30000"/>
+  </cs:variation>
+  <cs:variation>
+    <a:lumMod val="70000"/>
+  </cs:variation>
+  <cs:variation>
+    <a:lumMod val="50000"/>
+    <a:lumOff val="50000"/>
+  </cs:variation>
+</cs:colorStyle>
+</file>
+
 <file path=ppt/charts/style1.xml><?xml version="1.0" encoding="utf-8"?>
-<cs:chartStyle xmlns:cs="http://schemas.microsoft.com/office/drawing/2012/chartStyle" xmlns:a="http://schemas.openxmlformats.org/drawingml/2006/main" id="201">
+<cs:chartStyle xmlns:cs="http://schemas.microsoft.com/office/drawing/2012/chartStyle" xmlns:a="http://schemas.openxmlformats.org/drawingml/2006/main" id="227">
   <cs:axisTitle>
     <cs:lnRef idx="0"/>
     <cs:fillRef idx="0"/>
@@ -1319,6 +1853,11 @@
     <cs:fontRef idx="minor">
       <a:schemeClr val="tx1"/>
     </cs:fontRef>
+    <cs:spPr>
+      <a:solidFill>
+        <a:schemeClr val="phClr"/>
+      </a:solidFill>
+    </cs:spPr>
   </cs:dataPoint>
   <cs:dataPoint3D>
     <cs:lnRef idx="0"/>
@@ -1329,6 +1868,11 @@
     <cs:fontRef idx="minor">
       <a:schemeClr val="tx1"/>
     </cs:fontRef>
+    <cs:spPr>
+      <a:solidFill>
+        <a:schemeClr val="phClr"/>
+      </a:solidFill>
+    </cs:spPr>
   </cs:dataPoint3D>
   <cs:dataPointLine>
     <cs:lnRef idx="0">
@@ -1360,6 +1904,9 @@
       <a:schemeClr val="tx1"/>
     </cs:fontRef>
     <cs:spPr>
+      <a:solidFill>
+        <a:schemeClr val="phClr"/>
+      </a:solidFill>
       <a:ln w="9525">
         <a:solidFill>
           <a:schemeClr val="phClr"/>
@@ -2216,6 +2763,509 @@
 </cs:chartStyle>
 </file>
 
+<file path=ppt/charts/style3.xml><?xml version="1.0" encoding="utf-8"?>
+<cs:chartStyle xmlns:cs="http://schemas.microsoft.com/office/drawing/2012/chartStyle" xmlns:a="http://schemas.openxmlformats.org/drawingml/2006/main" id="201">
+  <cs:axisTitle>
+    <cs:lnRef idx="0"/>
+    <cs:fillRef idx="0"/>
+    <cs:effectRef idx="0"/>
+    <cs:fontRef idx="minor">
+      <a:schemeClr val="tx1">
+        <a:lumMod val="65000"/>
+        <a:lumOff val="35000"/>
+      </a:schemeClr>
+    </cs:fontRef>
+    <cs:defRPr sz="1330" kern="1200"/>
+  </cs:axisTitle>
+  <cs:categoryAxis>
+    <cs:lnRef idx="0"/>
+    <cs:fillRef idx="0"/>
+    <cs:effectRef idx="0"/>
+    <cs:fontRef idx="minor">
+      <a:schemeClr val="tx1">
+        <a:lumMod val="65000"/>
+        <a:lumOff val="35000"/>
+      </a:schemeClr>
+    </cs:fontRef>
+    <cs:spPr>
+      <a:ln w="9525" cap="flat" cmpd="sng" algn="ctr">
+        <a:solidFill>
+          <a:schemeClr val="tx1">
+            <a:lumMod val="15000"/>
+            <a:lumOff val="85000"/>
+          </a:schemeClr>
+        </a:solidFill>
+        <a:round/>
+      </a:ln>
+    </cs:spPr>
+    <cs:defRPr sz="1197" kern="1200"/>
+  </cs:categoryAxis>
+  <cs:chartArea mods="allowNoFillOverride allowNoLineOverride">
+    <cs:lnRef idx="0"/>
+    <cs:fillRef idx="0"/>
+    <cs:effectRef idx="0"/>
+    <cs:fontRef idx="minor">
+      <a:schemeClr val="tx1"/>
+    </cs:fontRef>
+    <cs:spPr>
+      <a:solidFill>
+        <a:schemeClr val="bg1"/>
+      </a:solidFill>
+      <a:ln w="9525" cap="flat" cmpd="sng" algn="ctr">
+        <a:solidFill>
+          <a:schemeClr val="tx1">
+            <a:lumMod val="15000"/>
+            <a:lumOff val="85000"/>
+          </a:schemeClr>
+        </a:solidFill>
+        <a:round/>
+      </a:ln>
+    </cs:spPr>
+    <cs:defRPr sz="1330" kern="1200"/>
+  </cs:chartArea>
+  <cs:dataLabel>
+    <cs:lnRef idx="0"/>
+    <cs:fillRef idx="0"/>
+    <cs:effectRef idx="0"/>
+    <cs:fontRef idx="minor">
+      <a:schemeClr val="tx1">
+        <a:lumMod val="75000"/>
+        <a:lumOff val="25000"/>
+      </a:schemeClr>
+    </cs:fontRef>
+    <cs:defRPr sz="1197" kern="1200"/>
+  </cs:dataLabel>
+  <cs:dataLabelCallout>
+    <cs:lnRef idx="0"/>
+    <cs:fillRef idx="0"/>
+    <cs:effectRef idx="0"/>
+    <cs:fontRef idx="minor">
+      <a:schemeClr val="dk1">
+        <a:lumMod val="65000"/>
+        <a:lumOff val="35000"/>
+      </a:schemeClr>
+    </cs:fontRef>
+    <cs:spPr>
+      <a:solidFill>
+        <a:schemeClr val="lt1"/>
+      </a:solidFill>
+      <a:ln>
+        <a:solidFill>
+          <a:schemeClr val="dk1">
+            <a:lumMod val="25000"/>
+            <a:lumOff val="75000"/>
+          </a:schemeClr>
+        </a:solidFill>
+      </a:ln>
+    </cs:spPr>
+    <cs:defRPr sz="1197" kern="1200"/>
+    <cs:bodyPr rot="0" spcFirstLastPara="1" vertOverflow="clip" horzOverflow="clip" vert="horz" wrap="square" lIns="36576" tIns="18288" rIns="36576" bIns="18288" anchor="ctr" anchorCtr="1">
+      <a:spAutoFit/>
+    </cs:bodyPr>
+  </cs:dataLabelCallout>
+  <cs:dataPoint>
+    <cs:lnRef idx="0"/>
+    <cs:fillRef idx="1">
+      <cs:styleClr val="auto"/>
+    </cs:fillRef>
+    <cs:effectRef idx="0"/>
+    <cs:fontRef idx="minor">
+      <a:schemeClr val="tx1"/>
+    </cs:fontRef>
+  </cs:dataPoint>
+  <cs:dataPoint3D>
+    <cs:lnRef idx="0"/>
+    <cs:fillRef idx="1">
+      <cs:styleClr val="auto"/>
+    </cs:fillRef>
+    <cs:effectRef idx="0"/>
+    <cs:fontRef idx="minor">
+      <a:schemeClr val="tx1"/>
+    </cs:fontRef>
+  </cs:dataPoint3D>
+  <cs:dataPointLine>
+    <cs:lnRef idx="0">
+      <cs:styleClr val="auto"/>
+    </cs:lnRef>
+    <cs:fillRef idx="1"/>
+    <cs:effectRef idx="0"/>
+    <cs:fontRef idx="minor">
+      <a:schemeClr val="tx1"/>
+    </cs:fontRef>
+    <cs:spPr>
+      <a:ln w="28575" cap="rnd">
+        <a:solidFill>
+          <a:schemeClr val="phClr"/>
+        </a:solidFill>
+        <a:round/>
+      </a:ln>
+    </cs:spPr>
+  </cs:dataPointLine>
+  <cs:dataPointMarker>
+    <cs:lnRef idx="0">
+      <cs:styleClr val="auto"/>
+    </cs:lnRef>
+    <cs:fillRef idx="1">
+      <cs:styleClr val="auto"/>
+    </cs:fillRef>
+    <cs:effectRef idx="0"/>
+    <cs:fontRef idx="minor">
+      <a:schemeClr val="tx1"/>
+    </cs:fontRef>
+    <cs:spPr>
+      <a:ln w="9525">
+        <a:solidFill>
+          <a:schemeClr val="phClr"/>
+        </a:solidFill>
+      </a:ln>
+    </cs:spPr>
+  </cs:dataPointMarker>
+  <cs:dataPointMarkerLayout symbol="circle" size="5"/>
+  <cs:dataPointWireframe>
+    <cs:lnRef idx="0">
+      <cs:styleClr val="auto"/>
+    </cs:lnRef>
+    <cs:fillRef idx="1"/>
+    <cs:effectRef idx="0"/>
+    <cs:fontRef idx="minor">
+      <a:schemeClr val="tx1"/>
+    </cs:fontRef>
+    <cs:spPr>
+      <a:ln w="9525" cap="rnd">
+        <a:solidFill>
+          <a:schemeClr val="phClr"/>
+        </a:solidFill>
+        <a:round/>
+      </a:ln>
+    </cs:spPr>
+  </cs:dataPointWireframe>
+  <cs:dataTable>
+    <cs:lnRef idx="0"/>
+    <cs:fillRef idx="0"/>
+    <cs:effectRef idx="0"/>
+    <cs:fontRef idx="minor">
+      <a:schemeClr val="tx1">
+        <a:lumMod val="65000"/>
+        <a:lumOff val="35000"/>
+      </a:schemeClr>
+    </cs:fontRef>
+    <cs:spPr>
+      <a:noFill/>
+      <a:ln w="9525" cap="flat" cmpd="sng" algn="ctr">
+        <a:solidFill>
+          <a:schemeClr val="tx1">
+            <a:lumMod val="15000"/>
+            <a:lumOff val="85000"/>
+          </a:schemeClr>
+        </a:solidFill>
+        <a:round/>
+      </a:ln>
+    </cs:spPr>
+    <cs:defRPr sz="1197" kern="1200"/>
+  </cs:dataTable>
+  <cs:downBar>
+    <cs:lnRef idx="0"/>
+    <cs:fillRef idx="0"/>
+    <cs:effectRef idx="0"/>
+    <cs:fontRef idx="minor">
+      <a:schemeClr val="dk1"/>
+    </cs:fontRef>
+    <cs:spPr>
+      <a:solidFill>
+        <a:schemeClr val="dk1">
+          <a:lumMod val="65000"/>
+          <a:lumOff val="35000"/>
+        </a:schemeClr>
+      </a:solidFill>
+      <a:ln w="9525">
+        <a:solidFill>
+          <a:schemeClr val="tx1">
+            <a:lumMod val="65000"/>
+            <a:lumOff val="35000"/>
+          </a:schemeClr>
+        </a:solidFill>
+      </a:ln>
+    </cs:spPr>
+  </cs:downBar>
+  <cs:dropLine>
+    <cs:lnRef idx="0"/>
+    <cs:fillRef idx="0"/>
+    <cs:effectRef idx="0"/>
+    <cs:fontRef idx="minor">
+      <a:schemeClr val="tx1"/>
+    </cs:fontRef>
+    <cs:spPr>
+      <a:ln w="9525" cap="flat" cmpd="sng" algn="ctr">
+        <a:solidFill>
+          <a:schemeClr val="tx1">
+            <a:lumMod val="35000"/>
+            <a:lumOff val="65000"/>
+          </a:schemeClr>
+        </a:solidFill>
+        <a:round/>
+      </a:ln>
+    </cs:spPr>
+  </cs:dropLine>
+  <cs:errorBar>
+    <cs:lnRef idx="0"/>
+    <cs:fillRef idx="0"/>
+    <cs:effectRef idx="0"/>
+    <cs:fontRef idx="minor">
+      <a:schemeClr val="tx1"/>
+    </cs:fontRef>
+    <cs:spPr>
+      <a:ln w="9525" cap="flat" cmpd="sng" algn="ctr">
+        <a:solidFill>
+          <a:schemeClr val="tx1">
+            <a:lumMod val="65000"/>
+            <a:lumOff val="35000"/>
+          </a:schemeClr>
+        </a:solidFill>
+        <a:round/>
+      </a:ln>
+    </cs:spPr>
+  </cs:errorBar>
+  <cs:floor>
+    <cs:lnRef idx="0"/>
+    <cs:fillRef idx="0"/>
+    <cs:effectRef idx="0"/>
+    <cs:fontRef idx="minor">
+      <a:schemeClr val="tx1"/>
+    </cs:fontRef>
+    <cs:spPr>
+      <a:noFill/>
+      <a:ln>
+        <a:noFill/>
+      </a:ln>
+    </cs:spPr>
+  </cs:floor>
+  <cs:gridlineMajor>
+    <cs:lnRef idx="0"/>
+    <cs:fillRef idx="0"/>
+    <cs:effectRef idx="0"/>
+    <cs:fontRef idx="minor">
+      <a:schemeClr val="tx1"/>
+    </cs:fontRef>
+    <cs:spPr>
+      <a:ln w="9525" cap="flat" cmpd="sng" algn="ctr">
+        <a:solidFill>
+          <a:schemeClr val="tx1">
+            <a:lumMod val="15000"/>
+            <a:lumOff val="85000"/>
+          </a:schemeClr>
+        </a:solidFill>
+        <a:round/>
+      </a:ln>
+    </cs:spPr>
+  </cs:gridlineMajor>
+  <cs:gridlineMinor>
+    <cs:lnRef idx="0"/>
+    <cs:fillRef idx="0"/>
+    <cs:effectRef idx="0"/>
+    <cs:fontRef idx="minor">
+      <a:schemeClr val="tx1"/>
+    </cs:fontRef>
+    <cs:spPr>
+      <a:ln w="9525" cap="flat" cmpd="sng" algn="ctr">
+        <a:solidFill>
+          <a:schemeClr val="tx1">
+            <a:lumMod val="5000"/>
+            <a:lumOff val="95000"/>
+          </a:schemeClr>
+        </a:solidFill>
+        <a:round/>
+      </a:ln>
+    </cs:spPr>
+  </cs:gridlineMinor>
+  <cs:hiLoLine>
+    <cs:lnRef idx="0"/>
+    <cs:fillRef idx="0"/>
+    <cs:effectRef idx="0"/>
+    <cs:fontRef idx="minor">
+      <a:schemeClr val="tx1"/>
+    </cs:fontRef>
+    <cs:spPr>
+      <a:ln w="9525" cap="flat" cmpd="sng" algn="ctr">
+        <a:solidFill>
+          <a:schemeClr val="tx1">
+            <a:lumMod val="75000"/>
+            <a:lumOff val="25000"/>
+          </a:schemeClr>
+        </a:solidFill>
+        <a:round/>
+      </a:ln>
+    </cs:spPr>
+  </cs:hiLoLine>
+  <cs:leaderLine>
+    <cs:lnRef idx="0"/>
+    <cs:fillRef idx="0"/>
+    <cs:effectRef idx="0"/>
+    <cs:fontRef idx="minor">
+      <a:schemeClr val="tx1"/>
+    </cs:fontRef>
+    <cs:spPr>
+      <a:ln w="9525" cap="flat" cmpd="sng" algn="ctr">
+        <a:solidFill>
+          <a:schemeClr val="tx1">
+            <a:lumMod val="35000"/>
+            <a:lumOff val="65000"/>
+          </a:schemeClr>
+        </a:solidFill>
+        <a:round/>
+      </a:ln>
+    </cs:spPr>
+  </cs:leaderLine>
+  <cs:legend>
+    <cs:lnRef idx="0"/>
+    <cs:fillRef idx="0"/>
+    <cs:effectRef idx="0"/>
+    <cs:fontRef idx="minor">
+      <a:schemeClr val="tx1">
+        <a:lumMod val="65000"/>
+        <a:lumOff val="35000"/>
+      </a:schemeClr>
+    </cs:fontRef>
+    <cs:defRPr sz="1197" kern="1200"/>
+  </cs:legend>
+  <cs:plotArea mods="allowNoFillOverride allowNoLineOverride">
+    <cs:lnRef idx="0"/>
+    <cs:fillRef idx="0"/>
+    <cs:effectRef idx="0"/>
+    <cs:fontRef idx="minor">
+      <a:schemeClr val="tx1"/>
+    </cs:fontRef>
+  </cs:plotArea>
+  <cs:plotArea3D mods="allowNoFillOverride allowNoLineOverride">
+    <cs:lnRef idx="0"/>
+    <cs:fillRef idx="0"/>
+    <cs:effectRef idx="0"/>
+    <cs:fontRef idx="minor">
+      <a:schemeClr val="tx1"/>
+    </cs:fontRef>
+  </cs:plotArea3D>
+  <cs:seriesAxis>
+    <cs:lnRef idx="0"/>
+    <cs:fillRef idx="0"/>
+    <cs:effectRef idx="0"/>
+    <cs:fontRef idx="minor">
+      <a:schemeClr val="tx1">
+        <a:lumMod val="65000"/>
+        <a:lumOff val="35000"/>
+      </a:schemeClr>
+    </cs:fontRef>
+    <cs:defRPr sz="1197" kern="1200"/>
+  </cs:seriesAxis>
+  <cs:seriesLine>
+    <cs:lnRef idx="0"/>
+    <cs:fillRef idx="0"/>
+    <cs:effectRef idx="0"/>
+    <cs:fontRef idx="minor">
+      <a:schemeClr val="tx1"/>
+    </cs:fontRef>
+    <cs:spPr>
+      <a:ln w="9525" cap="flat" cmpd="sng" algn="ctr">
+        <a:solidFill>
+          <a:schemeClr val="tx1">
+            <a:lumMod val="35000"/>
+            <a:lumOff val="65000"/>
+          </a:schemeClr>
+        </a:solidFill>
+        <a:round/>
+      </a:ln>
+    </cs:spPr>
+  </cs:seriesLine>
+  <cs:title>
+    <cs:lnRef idx="0"/>
+    <cs:fillRef idx="0"/>
+    <cs:effectRef idx="0"/>
+    <cs:fontRef idx="minor">
+      <a:schemeClr val="tx1">
+        <a:lumMod val="65000"/>
+        <a:lumOff val="35000"/>
+      </a:schemeClr>
+    </cs:fontRef>
+    <cs:defRPr sz="1862" b="0" kern="1200" spc="0" baseline="0"/>
+  </cs:title>
+  <cs:trendline>
+    <cs:lnRef idx="0">
+      <cs:styleClr val="auto"/>
+    </cs:lnRef>
+    <cs:fillRef idx="0"/>
+    <cs:effectRef idx="0"/>
+    <cs:fontRef idx="minor">
+      <a:schemeClr val="tx1"/>
+    </cs:fontRef>
+    <cs:spPr>
+      <a:ln w="19050" cap="rnd">
+        <a:solidFill>
+          <a:schemeClr val="phClr"/>
+        </a:solidFill>
+        <a:prstDash val="sysDot"/>
+      </a:ln>
+    </cs:spPr>
+  </cs:trendline>
+  <cs:trendlineLabel>
+    <cs:lnRef idx="0"/>
+    <cs:fillRef idx="0"/>
+    <cs:effectRef idx="0"/>
+    <cs:fontRef idx="minor">
+      <a:schemeClr val="tx1">
+        <a:lumMod val="65000"/>
+        <a:lumOff val="35000"/>
+      </a:schemeClr>
+    </cs:fontRef>
+    <cs:defRPr sz="1197" kern="1200"/>
+  </cs:trendlineLabel>
+  <cs:upBar>
+    <cs:lnRef idx="0"/>
+    <cs:fillRef idx="0"/>
+    <cs:effectRef idx="0"/>
+    <cs:fontRef idx="minor">
+      <a:schemeClr val="dk1"/>
+    </cs:fontRef>
+    <cs:spPr>
+      <a:solidFill>
+        <a:schemeClr val="lt1"/>
+      </a:solidFill>
+      <a:ln w="9525">
+        <a:solidFill>
+          <a:schemeClr val="tx1">
+            <a:lumMod val="15000"/>
+            <a:lumOff val="85000"/>
+          </a:schemeClr>
+        </a:solidFill>
+      </a:ln>
+    </cs:spPr>
+  </cs:upBar>
+  <cs:valueAxis>
+    <cs:lnRef idx="0"/>
+    <cs:fillRef idx="0"/>
+    <cs:effectRef idx="0"/>
+    <cs:fontRef idx="minor">
+      <a:schemeClr val="tx1">
+        <a:lumMod val="65000"/>
+        <a:lumOff val="35000"/>
+      </a:schemeClr>
+    </cs:fontRef>
+    <cs:defRPr sz="1197" kern="1200"/>
+  </cs:valueAxis>
+  <cs:wall>
+    <cs:lnRef idx="0"/>
+    <cs:fillRef idx="0"/>
+    <cs:effectRef idx="0"/>
+    <cs:fontRef idx="minor">
+      <a:schemeClr val="tx1"/>
+    </cs:fontRef>
+    <cs:spPr>
+      <a:noFill/>
+      <a:ln>
+        <a:noFill/>
+      </a:ln>
+    </cs:spPr>
+  </cs:wall>
+</cs:chartStyle>
+</file>
+
 <file path=ppt/handoutMasters/handoutMaster1.xml><?xml version="1.0" encoding="utf-8"?>
 <p:handoutMaster xmlns:a="http://schemas.openxmlformats.org/drawingml/2006/main" xmlns:r="http://schemas.openxmlformats.org/officeDocument/2006/relationships" xmlns:p="http://schemas.openxmlformats.org/presentationml/2006/main">
   <p:cSld>
@@ -2266,8 +3316,8 @@
           </a:lstStyle>
           <a:p>
             <a:r>
-              <a:rPr lang="en-GB"/>
-              <a:t>Investigating Cloud Technologies to Maximise Availability of Oversubscribed Resources</a:t>
+              <a:rPr lang="en-GB" sz="1400" dirty="0"/>
+              <a:t>Performance modelling of skewed demand in complex systems</a:t>
             </a:r>
             <a:endParaRPr lang="en-US" dirty="0"/>
           </a:p>
@@ -2302,7 +3352,7 @@
           <a:p>
             <a:fld id="{68796EA6-6F25-4F19-87BA-7ADCC16DAEFF}" type="datetimeFigureOut">
               <a:rPr lang="en-US" smtClean="0"/>
-              <a:t>8/6/2017</a:t>
+              <a:t>8/7/2017</a:t>
             </a:fld>
             <a:endParaRPr lang="en-US" dirty="0"/>
           </a:p>
@@ -2472,7 +3522,7 @@
           <a:p>
             <a:fld id="{C39C172E-A8B5-46F6-B05C-DFA3E2E0F207}" type="datetimeFigureOut">
               <a:rPr lang="en-US" smtClean="0"/>
-              <a:t>8/6/2017</a:t>
+              <a:t>8/7/2017</a:t>
             </a:fld>
             <a:endParaRPr lang="en-US" dirty="0"/>
           </a:p>
@@ -2896,6 +3946,281 @@
           <a:bodyPr/>
           <a:lstStyle/>
           <a:p>
+            <a:r>
+              <a:rPr lang="en-GB" dirty="0" smtClean="0"/>
+              <a:t>Model</a:t>
+            </a:r>
+            <a:r>
+              <a:rPr lang="en-GB" baseline="0" dirty="0" smtClean="0"/>
+              <a:t> queues and distributed databases, and compose into systems.  Get steady state throughputs from PEPA Eclipse plugin</a:t>
+            </a:r>
+          </a:p>
+          <a:p>
+            <a:endParaRPr lang="en-GB" baseline="0" dirty="0" smtClean="0"/>
+          </a:p>
+          <a:p>
+            <a:r>
+              <a:rPr lang="en-GB" baseline="0" dirty="0" smtClean="0"/>
+              <a:t>Built instrumented systems and measure actual throughputs under simulated demand</a:t>
+            </a:r>
+          </a:p>
+        </p:txBody>
+      </p:sp>
+      <p:sp>
+        <p:nvSpPr>
+          <p:cNvPr id="4" name="Header Placeholder 3"/>
+          <p:cNvSpPr>
+            <a:spLocks noGrp="1"/>
+          </p:cNvSpPr>
+          <p:nvPr>
+            <p:ph type="hdr" sz="quarter" idx="10"/>
+          </p:nvPr>
+        </p:nvSpPr>
+        <p:spPr/>
+        <p:txBody>
+          <a:bodyPr/>
+          <a:lstStyle/>
+          <a:p>
+            <a:r>
+              <a:rPr lang="en-GB" smtClean="0"/>
+              <a:t>Performance modelling of skewed demand in complex systems</a:t>
+            </a:r>
+            <a:endParaRPr lang="en-US" dirty="0"/>
+          </a:p>
+        </p:txBody>
+      </p:sp>
+      <p:sp>
+        <p:nvSpPr>
+          <p:cNvPr id="5" name="Slide Number Placeholder 4"/>
+          <p:cNvSpPr>
+            <a:spLocks noGrp="1"/>
+          </p:cNvSpPr>
+          <p:nvPr>
+            <p:ph type="sldNum" sz="quarter" idx="11"/>
+          </p:nvPr>
+        </p:nvSpPr>
+        <p:spPr/>
+        <p:txBody>
+          <a:bodyPr/>
+          <a:lstStyle/>
+          <a:p>
+            <a:fld id="{32674CE4-FBD8-4481-AEFB-CA53E599A745}" type="slidenum">
+              <a:rPr lang="en-US" smtClean="0"/>
+              <a:t>10</a:t>
+            </a:fld>
+            <a:endParaRPr lang="en-US" dirty="0"/>
+          </a:p>
+        </p:txBody>
+      </p:sp>
+    </p:spTree>
+    <p:extLst>
+      <p:ext uri="{BB962C8B-B14F-4D97-AF65-F5344CB8AC3E}">
+        <p14:creationId xmlns:p14="http://schemas.microsoft.com/office/powerpoint/2010/main" val="1257273346"/>
+      </p:ext>
+    </p:extLst>
+  </p:cSld>
+  <p:clrMapOvr>
+    <a:masterClrMapping/>
+  </p:clrMapOvr>
+</p:notes>
+</file>
+
+<file path=ppt/notesSlides/notesSlide11.xml><?xml version="1.0" encoding="utf-8"?>
+<p:notes xmlns:a="http://schemas.openxmlformats.org/drawingml/2006/main" xmlns:r="http://schemas.openxmlformats.org/officeDocument/2006/relationships" xmlns:p="http://schemas.openxmlformats.org/presentationml/2006/main">
+  <p:cSld>
+    <p:spTree>
+      <p:nvGrpSpPr>
+        <p:cNvPr id="1" name=""/>
+        <p:cNvGrpSpPr/>
+        <p:nvPr/>
+      </p:nvGrpSpPr>
+      <p:grpSpPr>
+        <a:xfrm>
+          <a:off x="0" y="0"/>
+          <a:ext cx="0" cy="0"/>
+          <a:chOff x="0" y="0"/>
+          <a:chExt cx="0" cy="0"/>
+        </a:xfrm>
+      </p:grpSpPr>
+      <p:sp>
+        <p:nvSpPr>
+          <p:cNvPr id="2" name="Slide Image Placeholder 1"/>
+          <p:cNvSpPr>
+            <a:spLocks noGrp="1" noRot="1" noChangeAspect="1"/>
+          </p:cNvSpPr>
+          <p:nvPr>
+            <p:ph type="sldImg"/>
+          </p:nvPr>
+        </p:nvSpPr>
+        <p:spPr/>
+      </p:sp>
+      <p:sp>
+        <p:nvSpPr>
+          <p:cNvPr id="3" name="Notes Placeholder 2"/>
+          <p:cNvSpPr>
+            <a:spLocks noGrp="1"/>
+          </p:cNvSpPr>
+          <p:nvPr>
+            <p:ph type="body" idx="1"/>
+          </p:nvPr>
+        </p:nvSpPr>
+        <p:spPr/>
+        <p:txBody>
+          <a:bodyPr/>
+          <a:lstStyle/>
+          <a:p>
+            <a:r>
+              <a:rPr lang="en-GB" dirty="0"/>
+              <a:t>Combining component models – queue model in red, distributed DB with replication in blue.</a:t>
+            </a:r>
+          </a:p>
+          <a:p>
+            <a:r>
+              <a:rPr lang="en-GB" dirty="0"/>
+              <a:t>Shared activities in purple.</a:t>
+            </a:r>
+          </a:p>
+        </p:txBody>
+      </p:sp>
+      <p:sp>
+        <p:nvSpPr>
+          <p:cNvPr id="4" name="Header Placeholder 3"/>
+          <p:cNvSpPr>
+            <a:spLocks noGrp="1"/>
+          </p:cNvSpPr>
+          <p:nvPr>
+            <p:ph type="hdr" sz="quarter" idx="10"/>
+          </p:nvPr>
+        </p:nvSpPr>
+        <p:spPr/>
+        <p:txBody>
+          <a:bodyPr/>
+          <a:lstStyle/>
+          <a:p>
+            <a:r>
+              <a:rPr lang="en-GB"/>
+              <a:t>Performance modelling of skewed demand in complex systems</a:t>
+            </a:r>
+            <a:endParaRPr lang="en-US" dirty="0"/>
+          </a:p>
+        </p:txBody>
+      </p:sp>
+      <p:sp>
+        <p:nvSpPr>
+          <p:cNvPr id="5" name="Slide Number Placeholder 4"/>
+          <p:cNvSpPr>
+            <a:spLocks noGrp="1"/>
+          </p:cNvSpPr>
+          <p:nvPr>
+            <p:ph type="sldNum" sz="quarter" idx="11"/>
+          </p:nvPr>
+        </p:nvSpPr>
+        <p:spPr/>
+        <p:txBody>
+          <a:bodyPr/>
+          <a:lstStyle/>
+          <a:p>
+            <a:fld id="{32674CE4-FBD8-4481-AEFB-CA53E599A745}" type="slidenum">
+              <a:rPr lang="en-US" smtClean="0"/>
+              <a:t>11</a:t>
+            </a:fld>
+            <a:endParaRPr lang="en-US" dirty="0"/>
+          </a:p>
+        </p:txBody>
+      </p:sp>
+    </p:spTree>
+    <p:extLst>
+      <p:ext uri="{BB962C8B-B14F-4D97-AF65-F5344CB8AC3E}">
+        <p14:creationId xmlns:p14="http://schemas.microsoft.com/office/powerpoint/2010/main" val="1564677072"/>
+      </p:ext>
+    </p:extLst>
+  </p:cSld>
+  <p:clrMapOvr>
+    <a:masterClrMapping/>
+  </p:clrMapOvr>
+</p:notes>
+</file>
+
+<file path=ppt/notesSlides/notesSlide12.xml><?xml version="1.0" encoding="utf-8"?>
+<p:notes xmlns:a="http://schemas.openxmlformats.org/drawingml/2006/main" xmlns:r="http://schemas.openxmlformats.org/officeDocument/2006/relationships" xmlns:p="http://schemas.openxmlformats.org/presentationml/2006/main">
+  <p:cSld>
+    <p:spTree>
+      <p:nvGrpSpPr>
+        <p:cNvPr id="1" name=""/>
+        <p:cNvGrpSpPr/>
+        <p:nvPr/>
+      </p:nvGrpSpPr>
+      <p:grpSpPr>
+        <a:xfrm>
+          <a:off x="0" y="0"/>
+          <a:ext cx="0" cy="0"/>
+          <a:chOff x="0" y="0"/>
+          <a:chExt cx="0" cy="0"/>
+        </a:xfrm>
+      </p:grpSpPr>
+      <p:sp>
+        <p:nvSpPr>
+          <p:cNvPr id="2" name="Slide Image Placeholder 1"/>
+          <p:cNvSpPr>
+            <a:spLocks noGrp="1" noRot="1" noChangeAspect="1"/>
+          </p:cNvSpPr>
+          <p:nvPr>
+            <p:ph type="sldImg"/>
+          </p:nvPr>
+        </p:nvSpPr>
+        <p:spPr/>
+      </p:sp>
+      <p:sp>
+        <p:nvSpPr>
+          <p:cNvPr id="3" name="Notes Placeholder 2"/>
+          <p:cNvSpPr>
+            <a:spLocks noGrp="1"/>
+          </p:cNvSpPr>
+          <p:nvPr>
+            <p:ph type="body" idx="1"/>
+          </p:nvPr>
+        </p:nvSpPr>
+        <p:spPr/>
+        <p:txBody>
+          <a:bodyPr/>
+          <a:lstStyle/>
+          <a:p>
+            <a:r>
+              <a:rPr lang="en-GB" dirty="0" smtClean="0"/>
+              <a:t>Java Spring – lightweight</a:t>
+            </a:r>
+            <a:r>
+              <a:rPr lang="en-GB" baseline="0" dirty="0" smtClean="0"/>
+              <a:t> code for RESTful APIs to database repository</a:t>
+            </a:r>
+          </a:p>
+          <a:p>
+            <a:r>
+              <a:rPr lang="en-GB" baseline="0" dirty="0" smtClean="0"/>
+              <a:t>Cassandra database – as we are modelling consistent hashing</a:t>
+            </a:r>
+          </a:p>
+          <a:p>
+            <a:r>
+              <a:rPr lang="en-GB" baseline="0" dirty="0" smtClean="0"/>
+              <a:t>MS Azure Storage Queues – University subscription available, storage queues not FIFO (matches the model)</a:t>
+            </a:r>
+          </a:p>
+          <a:p>
+            <a:r>
+              <a:rPr lang="en-GB" baseline="0" dirty="0" smtClean="0"/>
+              <a:t>Popular metrics library available for Java that is also compatible with Spring, measure throughput over time</a:t>
+            </a:r>
+          </a:p>
+          <a:p>
+            <a:r>
+              <a:rPr lang="en-GB" baseline="0" dirty="0" err="1" smtClean="0"/>
+              <a:t>Jmeter</a:t>
+            </a:r>
+            <a:r>
+              <a:rPr lang="en-GB" baseline="0" dirty="0" smtClean="0"/>
+              <a:t> demand simulation, see later slide</a:t>
+            </a:r>
             <a:endParaRPr lang="en-GB" dirty="0"/>
           </a:p>
         </p:txBody>
@@ -2959,7 +4284,7 @@
 </p:notes>
 </file>
 
-<file path=ppt/notesSlides/notesSlide11.xml><?xml version="1.0" encoding="utf-8"?>
+<file path=ppt/notesSlides/notesSlide13.xml><?xml version="1.0" encoding="utf-8"?>
 <p:notes xmlns:a="http://schemas.openxmlformats.org/drawingml/2006/main" xmlns:r="http://schemas.openxmlformats.org/officeDocument/2006/relationships" xmlns:p="http://schemas.openxmlformats.org/presentationml/2006/main">
   <p:cSld>
     <p:spTree>
@@ -3003,6 +4328,23 @@
           <a:bodyPr/>
           <a:lstStyle/>
           <a:p>
+            <a:r>
+              <a:rPr lang="en-GB" dirty="0" smtClean="0"/>
+              <a:t>Create ‘control’ interfaces that are counted in metrics (and can be measured) but don’t have the overheads of DB access.  The models explore what happens when the demand gets too</a:t>
+            </a:r>
+            <a:r>
+              <a:rPr lang="en-GB" baseline="0" dirty="0" smtClean="0"/>
+              <a:t> high for a data node to handle.</a:t>
+            </a:r>
+          </a:p>
+          <a:p>
+            <a:endParaRPr lang="en-GB" baseline="0" dirty="0" smtClean="0"/>
+          </a:p>
+          <a:p>
+            <a:r>
+              <a:rPr lang="en-GB" baseline="0" dirty="0" smtClean="0"/>
+              <a:t>This also meant finding a way to slow down the Cassandra database relative to the worker applications.</a:t>
+            </a:r>
             <a:endParaRPr lang="en-GB" dirty="0"/>
           </a:p>
         </p:txBody>
@@ -3066,7 +4408,138 @@
 </p:notes>
 </file>
 
-<file path=ppt/notesSlides/notesSlide12.xml><?xml version="1.0" encoding="utf-8"?>
+<file path=ppt/notesSlides/notesSlide14.xml><?xml version="1.0" encoding="utf-8"?>
+<p:notes xmlns:a="http://schemas.openxmlformats.org/drawingml/2006/main" xmlns:r="http://schemas.openxmlformats.org/officeDocument/2006/relationships" xmlns:p="http://schemas.openxmlformats.org/presentationml/2006/main">
+  <p:cSld>
+    <p:spTree>
+      <p:nvGrpSpPr>
+        <p:cNvPr id="1" name=""/>
+        <p:cNvGrpSpPr/>
+        <p:nvPr/>
+      </p:nvGrpSpPr>
+      <p:grpSpPr>
+        <a:xfrm>
+          <a:off x="0" y="0"/>
+          <a:ext cx="0" cy="0"/>
+          <a:chOff x="0" y="0"/>
+          <a:chExt cx="0" cy="0"/>
+        </a:xfrm>
+      </p:grpSpPr>
+      <p:sp>
+        <p:nvSpPr>
+          <p:cNvPr id="2" name="Slide Image Placeholder 1"/>
+          <p:cNvSpPr>
+            <a:spLocks noGrp="1" noRot="1" noChangeAspect="1"/>
+          </p:cNvSpPr>
+          <p:nvPr>
+            <p:ph type="sldImg"/>
+          </p:nvPr>
+        </p:nvSpPr>
+        <p:spPr/>
+      </p:sp>
+      <p:sp>
+        <p:nvSpPr>
+          <p:cNvPr id="3" name="Notes Placeholder 2"/>
+          <p:cNvSpPr>
+            <a:spLocks noGrp="1"/>
+          </p:cNvSpPr>
+          <p:nvPr>
+            <p:ph type="body" idx="1"/>
+          </p:nvPr>
+        </p:nvSpPr>
+        <p:spPr/>
+        <p:txBody>
+          <a:bodyPr/>
+          <a:lstStyle/>
+          <a:p>
+            <a:r>
+              <a:rPr lang="en-GB" dirty="0" smtClean="0"/>
+              <a:t>Simulate the demand with </a:t>
+            </a:r>
+            <a:r>
+              <a:rPr lang="en-GB" dirty="0" err="1" smtClean="0"/>
+              <a:t>Jmeter</a:t>
+            </a:r>
+            <a:r>
+              <a:rPr lang="en-GB" dirty="0" smtClean="0"/>
+              <a:t>.</a:t>
+            </a:r>
+            <a:r>
+              <a:rPr lang="en-GB" baseline="0" dirty="0" smtClean="0"/>
+              <a:t>  Test plan uses different thread groups for Athletics and Cycling, each accesses the relevant RESTful APIs (</a:t>
+            </a:r>
+            <a:r>
+              <a:rPr lang="en-GB" baseline="0" dirty="0" err="1" smtClean="0"/>
+              <a:t>microservices</a:t>
+            </a:r>
+            <a:r>
+              <a:rPr lang="en-GB" baseline="0" dirty="0" smtClean="0"/>
+              <a:t> or Azure queue) using a Poisson (negative exponential) distribution to match the PEPA models.  Increase the Athletics demand by increasing the number of threads i.e. system users in this group.</a:t>
+            </a:r>
+            <a:endParaRPr lang="en-GB" dirty="0"/>
+          </a:p>
+        </p:txBody>
+      </p:sp>
+      <p:sp>
+        <p:nvSpPr>
+          <p:cNvPr id="4" name="Header Placeholder 3"/>
+          <p:cNvSpPr>
+            <a:spLocks noGrp="1"/>
+          </p:cNvSpPr>
+          <p:nvPr>
+            <p:ph type="hdr" sz="quarter" idx="10"/>
+          </p:nvPr>
+        </p:nvSpPr>
+        <p:spPr/>
+        <p:txBody>
+          <a:bodyPr/>
+          <a:lstStyle/>
+          <a:p>
+            <a:r>
+              <a:rPr lang="en-GB" smtClean="0"/>
+              <a:t>Performance modelling of skewed demand in complex systems</a:t>
+            </a:r>
+            <a:endParaRPr lang="en-US" dirty="0"/>
+          </a:p>
+        </p:txBody>
+      </p:sp>
+      <p:sp>
+        <p:nvSpPr>
+          <p:cNvPr id="5" name="Slide Number Placeholder 4"/>
+          <p:cNvSpPr>
+            <a:spLocks noGrp="1"/>
+          </p:cNvSpPr>
+          <p:nvPr>
+            <p:ph type="sldNum" sz="quarter" idx="11"/>
+          </p:nvPr>
+        </p:nvSpPr>
+        <p:spPr/>
+        <p:txBody>
+          <a:bodyPr/>
+          <a:lstStyle/>
+          <a:p>
+            <a:fld id="{32674CE4-FBD8-4481-AEFB-CA53E599A745}" type="slidenum">
+              <a:rPr lang="en-US" smtClean="0"/>
+              <a:t>14</a:t>
+            </a:fld>
+            <a:endParaRPr lang="en-US" dirty="0"/>
+          </a:p>
+        </p:txBody>
+      </p:sp>
+    </p:spTree>
+    <p:extLst>
+      <p:ext uri="{BB962C8B-B14F-4D97-AF65-F5344CB8AC3E}">
+        <p14:creationId xmlns:p14="http://schemas.microsoft.com/office/powerpoint/2010/main" val="3869604467"/>
+      </p:ext>
+    </p:extLst>
+  </p:cSld>
+  <p:clrMapOvr>
+    <a:masterClrMapping/>
+  </p:clrMapOvr>
+</p:notes>
+</file>
+
+<file path=ppt/notesSlides/notesSlide15.xml><?xml version="1.0" encoding="utf-8"?>
 <p:notes xmlns:a="http://schemas.openxmlformats.org/drawingml/2006/main" xmlns:r="http://schemas.openxmlformats.org/officeDocument/2006/relationships" xmlns:p="http://schemas.openxmlformats.org/presentationml/2006/main">
   <p:cSld>
     <p:spTree>
@@ -3218,7 +4691,7 @@
 </p:notes>
 </file>
 
-<file path=ppt/notesSlides/notesSlide13.xml><?xml version="1.0" encoding="utf-8"?>
+<file path=ppt/notesSlides/notesSlide16.xml><?xml version="1.0" encoding="utf-8"?>
 <p:notes xmlns:a="http://schemas.openxmlformats.org/drawingml/2006/main" xmlns:r="http://schemas.openxmlformats.org/officeDocument/2006/relationships" xmlns:p="http://schemas.openxmlformats.org/presentationml/2006/main">
   <p:cSld>
     <p:spTree>
@@ -3261,6 +4734,58 @@
         <p:txBody>
           <a:bodyPr/>
           <a:lstStyle/>
+          <a:p>
+            <a:r>
+              <a:rPr lang="en-GB" dirty="0" smtClean="0"/>
+              <a:t>Results for simple</a:t>
+            </a:r>
+            <a:r>
+              <a:rPr lang="en-GB" baseline="0" dirty="0" smtClean="0"/>
+              <a:t> </a:t>
+            </a:r>
+            <a:r>
+              <a:rPr lang="en-GB" baseline="0" dirty="0" err="1" smtClean="0"/>
+              <a:t>microservices</a:t>
+            </a:r>
+            <a:r>
+              <a:rPr lang="en-GB" baseline="0" dirty="0" smtClean="0"/>
+              <a:t> system</a:t>
+            </a:r>
+            <a:r>
+              <a:rPr lang="en-GB" dirty="0" smtClean="0"/>
+              <a:t>, model vs built system.</a:t>
+            </a:r>
+            <a:r>
+              <a:rPr lang="en-GB" baseline="0" dirty="0" smtClean="0"/>
+              <a:t>  </a:t>
+            </a:r>
+            <a:r>
+              <a:rPr lang="en-GB" dirty="0" smtClean="0"/>
+              <a:t>Model is on the left.  Cycling demand is at a constant rate of 1, Athletics</a:t>
+            </a:r>
+            <a:r>
+              <a:rPr lang="en-GB" baseline="0" dirty="0" smtClean="0"/>
+              <a:t> demand from 1-10</a:t>
+            </a:r>
+            <a:r>
+              <a:rPr lang="en-GB" dirty="0" smtClean="0"/>
+              <a:t>.</a:t>
+            </a:r>
+          </a:p>
+          <a:p>
+            <a:endParaRPr lang="en-GB" dirty="0" smtClean="0"/>
+          </a:p>
+          <a:p>
+            <a:r>
+              <a:rPr lang="en-GB" dirty="0" smtClean="0"/>
+              <a:t>Service rate of one data node is 6.5 (fed back from built system result),</a:t>
+            </a:r>
+            <a:r>
+              <a:rPr lang="en-GB" baseline="0" dirty="0" smtClean="0"/>
+              <a:t> both systems show Athletics throughput choked by this (model much more so), model predicts Cycling unaffected but a slow decline in the built system (co-residency effect, some Cassandra communication? Note that the control may have that pattern but far less marked if so)</a:t>
+            </a:r>
+            <a:endParaRPr lang="en-GB" dirty="0" smtClean="0"/>
+          </a:p>
           <a:p>
             <a:endParaRPr lang="en-GB" dirty="0"/>
           </a:p>
@@ -3325,7 +4850,7 @@
 </p:notes>
 </file>
 
-<file path=ppt/notesSlides/notesSlide14.xml><?xml version="1.0" encoding="utf-8"?>
+<file path=ppt/notesSlides/notesSlide17.xml><?xml version="1.0" encoding="utf-8"?>
 <p:notes xmlns:a="http://schemas.openxmlformats.org/drawingml/2006/main" xmlns:r="http://schemas.openxmlformats.org/officeDocument/2006/relationships" xmlns:p="http://schemas.openxmlformats.org/presentationml/2006/main">
   <p:cSld>
     <p:spTree>
@@ -3368,6 +4893,175 @@
         <p:txBody>
           <a:bodyPr/>
           <a:lstStyle/>
+          <a:p>
+            <a:r>
+              <a:rPr lang="en-GB" dirty="0" smtClean="0"/>
+              <a:t>Requests are sent to a shared middleware</a:t>
+            </a:r>
+            <a:r>
+              <a:rPr lang="en-GB" baseline="0" dirty="0" smtClean="0"/>
+              <a:t> queue, </a:t>
+            </a:r>
+            <a:r>
+              <a:rPr lang="en-GB" baseline="0" dirty="0" err="1" smtClean="0"/>
+              <a:t>dequeued</a:t>
+            </a:r>
+            <a:r>
+              <a:rPr lang="en-GB" baseline="0" dirty="0" smtClean="0"/>
+              <a:t> by a worker application which calls the distributed database, partitioned by sport with no replication.  The worker application has a high service rate (model) and is multithreaded on a 4-core VM (built).</a:t>
+            </a:r>
+          </a:p>
+        </p:txBody>
+      </p:sp>
+      <p:sp>
+        <p:nvSpPr>
+          <p:cNvPr id="4" name="Header Placeholder 3"/>
+          <p:cNvSpPr>
+            <a:spLocks noGrp="1"/>
+          </p:cNvSpPr>
+          <p:nvPr>
+            <p:ph type="hdr" sz="quarter" idx="10"/>
+          </p:nvPr>
+        </p:nvSpPr>
+        <p:spPr/>
+        <p:txBody>
+          <a:bodyPr/>
+          <a:lstStyle/>
+          <a:p>
+            <a:r>
+              <a:rPr lang="en-GB" smtClean="0"/>
+              <a:t>Performance modelling of skewed demand in complex systems</a:t>
+            </a:r>
+            <a:endParaRPr lang="en-US" dirty="0"/>
+          </a:p>
+        </p:txBody>
+      </p:sp>
+      <p:sp>
+        <p:nvSpPr>
+          <p:cNvPr id="5" name="Slide Number Placeholder 4"/>
+          <p:cNvSpPr>
+            <a:spLocks noGrp="1"/>
+          </p:cNvSpPr>
+          <p:nvPr>
+            <p:ph type="sldNum" sz="quarter" idx="11"/>
+          </p:nvPr>
+        </p:nvSpPr>
+        <p:spPr/>
+        <p:txBody>
+          <a:bodyPr/>
+          <a:lstStyle/>
+          <a:p>
+            <a:fld id="{32674CE4-FBD8-4481-AEFB-CA53E599A745}" type="slidenum">
+              <a:rPr lang="en-US" smtClean="0"/>
+              <a:t>17</a:t>
+            </a:fld>
+            <a:endParaRPr lang="en-US" dirty="0"/>
+          </a:p>
+        </p:txBody>
+      </p:sp>
+    </p:spTree>
+    <p:extLst>
+      <p:ext uri="{BB962C8B-B14F-4D97-AF65-F5344CB8AC3E}">
+        <p14:creationId xmlns:p14="http://schemas.microsoft.com/office/powerpoint/2010/main" val="997801732"/>
+      </p:ext>
+    </p:extLst>
+  </p:cSld>
+  <p:clrMapOvr>
+    <a:masterClrMapping/>
+  </p:clrMapOvr>
+</p:notes>
+</file>
+
+<file path=ppt/notesSlides/notesSlide18.xml><?xml version="1.0" encoding="utf-8"?>
+<p:notes xmlns:a="http://schemas.openxmlformats.org/drawingml/2006/main" xmlns:r="http://schemas.openxmlformats.org/officeDocument/2006/relationships" xmlns:p="http://schemas.openxmlformats.org/presentationml/2006/main">
+  <p:cSld>
+    <p:spTree>
+      <p:nvGrpSpPr>
+        <p:cNvPr id="1" name=""/>
+        <p:cNvGrpSpPr/>
+        <p:nvPr/>
+      </p:nvGrpSpPr>
+      <p:grpSpPr>
+        <a:xfrm>
+          <a:off x="0" y="0"/>
+          <a:ext cx="0" cy="0"/>
+          <a:chOff x="0" y="0"/>
+          <a:chExt cx="0" cy="0"/>
+        </a:xfrm>
+      </p:grpSpPr>
+      <p:sp>
+        <p:nvSpPr>
+          <p:cNvPr id="2" name="Slide Image Placeholder 1"/>
+          <p:cNvSpPr>
+            <a:spLocks noGrp="1" noRot="1" noChangeAspect="1"/>
+          </p:cNvSpPr>
+          <p:nvPr>
+            <p:ph type="sldImg"/>
+          </p:nvPr>
+        </p:nvSpPr>
+        <p:spPr/>
+      </p:sp>
+      <p:sp>
+        <p:nvSpPr>
+          <p:cNvPr id="3" name="Notes Placeholder 2"/>
+          <p:cNvSpPr>
+            <a:spLocks noGrp="1"/>
+          </p:cNvSpPr>
+          <p:nvPr>
+            <p:ph type="body" idx="1"/>
+          </p:nvPr>
+        </p:nvSpPr>
+        <p:spPr/>
+        <p:txBody>
+          <a:bodyPr/>
+          <a:lstStyle/>
+          <a:p>
+            <a:r>
+              <a:rPr lang="en-GB" dirty="0" smtClean="0"/>
+              <a:t>Results for queue and distributed DB with replication, model vs built system (built system results scaled down).  Model is on the left.  Cycling demand is at a constant rate of 1, Ratio is the ratio of </a:t>
+            </a:r>
+            <a:r>
+              <a:rPr lang="en-GB" dirty="0" err="1" smtClean="0"/>
+              <a:t>athletics:cycling</a:t>
+            </a:r>
+            <a:r>
+              <a:rPr lang="en-GB" dirty="0" smtClean="0"/>
+              <a:t> </a:t>
+            </a:r>
+            <a:r>
+              <a:rPr lang="en-GB" i="1" dirty="0" smtClean="0"/>
+              <a:t>throughput</a:t>
+            </a:r>
+            <a:r>
+              <a:rPr lang="en-GB" dirty="0" smtClean="0"/>
+              <a:t>.</a:t>
+            </a:r>
+          </a:p>
+          <a:p>
+            <a:endParaRPr lang="en-GB" dirty="0" smtClean="0"/>
+          </a:p>
+          <a:p>
+            <a:r>
+              <a:rPr lang="en-GB" dirty="0" smtClean="0"/>
+              <a:t>Service rate of one data node is 5.  Model and system show cycling throughput constrained in the ratio of </a:t>
+            </a:r>
+            <a:r>
+              <a:rPr lang="en-GB" dirty="0" err="1" smtClean="0"/>
+              <a:t>athletics:cycling</a:t>
+            </a:r>
+            <a:r>
+              <a:rPr lang="en-GB" dirty="0" smtClean="0"/>
+              <a:t> </a:t>
+            </a:r>
+            <a:r>
+              <a:rPr lang="en-GB" i="1" dirty="0" smtClean="0"/>
+              <a:t>demand</a:t>
+            </a:r>
+            <a:r>
+              <a:rPr lang="en-GB" dirty="0" smtClean="0"/>
+              <a:t> in the queue (slightly less so in the built system).</a:t>
+            </a:r>
+          </a:p>
           <a:p>
             <a:endParaRPr lang="en-GB" dirty="0"/>
           </a:p>
@@ -3432,7 +5126,315 @@
 </p:notes>
 </file>
 
-<file path=ppt/notesSlides/notesSlide15.xml><?xml version="1.0" encoding="utf-8"?>
+<file path=ppt/notesSlides/notesSlide19.xml><?xml version="1.0" encoding="utf-8"?>
+<p:notes xmlns:a="http://schemas.openxmlformats.org/drawingml/2006/main" xmlns:r="http://schemas.openxmlformats.org/officeDocument/2006/relationships" xmlns:p="http://schemas.openxmlformats.org/presentationml/2006/main">
+  <p:cSld>
+    <p:spTree>
+      <p:nvGrpSpPr>
+        <p:cNvPr id="1" name=""/>
+        <p:cNvGrpSpPr/>
+        <p:nvPr/>
+      </p:nvGrpSpPr>
+      <p:grpSpPr>
+        <a:xfrm>
+          <a:off x="0" y="0"/>
+          <a:ext cx="0" cy="0"/>
+          <a:chOff x="0" y="0"/>
+          <a:chExt cx="0" cy="0"/>
+        </a:xfrm>
+      </p:grpSpPr>
+      <p:sp>
+        <p:nvSpPr>
+          <p:cNvPr id="2" name="Slide Image Placeholder 1"/>
+          <p:cNvSpPr>
+            <a:spLocks noGrp="1" noRot="1" noChangeAspect="1"/>
+          </p:cNvSpPr>
+          <p:nvPr>
+            <p:ph type="sldImg"/>
+          </p:nvPr>
+        </p:nvSpPr>
+        <p:spPr/>
+      </p:sp>
+      <p:sp>
+        <p:nvSpPr>
+          <p:cNvPr id="3" name="Notes Placeholder 2"/>
+          <p:cNvSpPr>
+            <a:spLocks noGrp="1"/>
+          </p:cNvSpPr>
+          <p:nvPr>
+            <p:ph type="body" idx="1"/>
+          </p:nvPr>
+        </p:nvSpPr>
+        <p:spPr/>
+        <p:txBody>
+          <a:bodyPr/>
+          <a:lstStyle/>
+          <a:p>
+            <a:pPr marL="0" marR="0" lvl="0" indent="0" algn="l" defTabSz="914400" rtl="0" eaLnBrk="1" fontAlgn="auto" latinLnBrk="0" hangingPunct="1">
+              <a:lnSpc>
+                <a:spcPct val="100000"/>
+              </a:lnSpc>
+              <a:spcBef>
+                <a:spcPts val="0"/>
+              </a:spcBef>
+              <a:spcAft>
+                <a:spcPts val="0"/>
+              </a:spcAft>
+              <a:buClrTx/>
+              <a:buSzTx/>
+              <a:buFontTx/>
+              <a:buNone/>
+              <a:tabLst/>
+              <a:defRPr/>
+            </a:pPr>
+            <a:r>
+              <a:rPr lang="en-GB" dirty="0" smtClean="0"/>
+              <a:t>Requests are sent to a shared middleware</a:t>
+            </a:r>
+            <a:r>
+              <a:rPr lang="en-GB" baseline="0" dirty="0" smtClean="0"/>
+              <a:t> queue, </a:t>
+            </a:r>
+            <a:r>
+              <a:rPr lang="en-GB" baseline="0" dirty="0" err="1" smtClean="0"/>
+              <a:t>dequeued</a:t>
+            </a:r>
+            <a:r>
+              <a:rPr lang="en-GB" baseline="0" dirty="0" smtClean="0"/>
+              <a:t> by a worker application which calls the distributed database, partitioned by sport with 1 replica (we introduce a new sport, Diving, and an extra data node to test this).</a:t>
+            </a:r>
+          </a:p>
+          <a:p>
+            <a:pPr marL="0" marR="0" lvl="0" indent="0" algn="l" defTabSz="914400" rtl="0" eaLnBrk="1" fontAlgn="auto" latinLnBrk="0" hangingPunct="1">
+              <a:lnSpc>
+                <a:spcPct val="100000"/>
+              </a:lnSpc>
+              <a:spcBef>
+                <a:spcPts val="0"/>
+              </a:spcBef>
+              <a:spcAft>
+                <a:spcPts val="0"/>
+              </a:spcAft>
+              <a:buClrTx/>
+              <a:buSzTx/>
+              <a:buFontTx/>
+              <a:buNone/>
+              <a:tabLst/>
+              <a:defRPr/>
+            </a:pPr>
+            <a:endParaRPr lang="en-GB" baseline="0" dirty="0" smtClean="0"/>
+          </a:p>
+          <a:p>
+            <a:pPr marL="0" marR="0" lvl="0" indent="0" algn="l" defTabSz="914400" rtl="0" eaLnBrk="1" fontAlgn="auto" latinLnBrk="0" hangingPunct="1">
+              <a:lnSpc>
+                <a:spcPct val="100000"/>
+              </a:lnSpc>
+              <a:spcBef>
+                <a:spcPts val="0"/>
+              </a:spcBef>
+              <a:spcAft>
+                <a:spcPts val="0"/>
+              </a:spcAft>
+              <a:buClrTx/>
+              <a:buSzTx/>
+              <a:buFontTx/>
+              <a:buNone/>
+              <a:tabLst/>
+              <a:defRPr/>
+            </a:pPr>
+            <a:r>
+              <a:rPr lang="en-GB" baseline="0" dirty="0" smtClean="0"/>
+              <a:t>The worker application has a high service rate (model) and is multithreaded on a 4-core VM (built) – the same infrastructure from before is reused, just the DB configuration changes.</a:t>
+            </a:r>
+          </a:p>
+          <a:p>
+            <a:endParaRPr lang="en-GB" dirty="0"/>
+          </a:p>
+        </p:txBody>
+      </p:sp>
+      <p:sp>
+        <p:nvSpPr>
+          <p:cNvPr id="4" name="Header Placeholder 3"/>
+          <p:cNvSpPr>
+            <a:spLocks noGrp="1"/>
+          </p:cNvSpPr>
+          <p:nvPr>
+            <p:ph type="hdr" sz="quarter" idx="10"/>
+          </p:nvPr>
+        </p:nvSpPr>
+        <p:spPr/>
+        <p:txBody>
+          <a:bodyPr/>
+          <a:lstStyle/>
+          <a:p>
+            <a:r>
+              <a:rPr lang="en-GB" smtClean="0"/>
+              <a:t>Performance modelling of skewed demand in complex systems</a:t>
+            </a:r>
+            <a:endParaRPr lang="en-US" dirty="0"/>
+          </a:p>
+        </p:txBody>
+      </p:sp>
+      <p:sp>
+        <p:nvSpPr>
+          <p:cNvPr id="5" name="Slide Number Placeholder 4"/>
+          <p:cNvSpPr>
+            <a:spLocks noGrp="1"/>
+          </p:cNvSpPr>
+          <p:nvPr>
+            <p:ph type="sldNum" sz="quarter" idx="11"/>
+          </p:nvPr>
+        </p:nvSpPr>
+        <p:spPr/>
+        <p:txBody>
+          <a:bodyPr/>
+          <a:lstStyle/>
+          <a:p>
+            <a:fld id="{32674CE4-FBD8-4481-AEFB-CA53E599A745}" type="slidenum">
+              <a:rPr lang="en-US" smtClean="0"/>
+              <a:t>19</a:t>
+            </a:fld>
+            <a:endParaRPr lang="en-US" dirty="0"/>
+          </a:p>
+        </p:txBody>
+      </p:sp>
+    </p:spTree>
+    <p:extLst>
+      <p:ext uri="{BB962C8B-B14F-4D97-AF65-F5344CB8AC3E}">
+        <p14:creationId xmlns:p14="http://schemas.microsoft.com/office/powerpoint/2010/main" val="3017981701"/>
+      </p:ext>
+    </p:extLst>
+  </p:cSld>
+  <p:clrMapOvr>
+    <a:masterClrMapping/>
+  </p:clrMapOvr>
+</p:notes>
+</file>
+
+<file path=ppt/notesSlides/notesSlide2.xml><?xml version="1.0" encoding="utf-8"?>
+<p:notes xmlns:a="http://schemas.openxmlformats.org/drawingml/2006/main" xmlns:r="http://schemas.openxmlformats.org/officeDocument/2006/relationships" xmlns:p="http://schemas.openxmlformats.org/presentationml/2006/main">
+  <p:cSld>
+    <p:spTree>
+      <p:nvGrpSpPr>
+        <p:cNvPr id="1" name=""/>
+        <p:cNvGrpSpPr/>
+        <p:nvPr/>
+      </p:nvGrpSpPr>
+      <p:grpSpPr>
+        <a:xfrm>
+          <a:off x="0" y="0"/>
+          <a:ext cx="0" cy="0"/>
+          <a:chOff x="0" y="0"/>
+          <a:chExt cx="0" cy="0"/>
+        </a:xfrm>
+      </p:grpSpPr>
+      <p:sp>
+        <p:nvSpPr>
+          <p:cNvPr id="2" name="Slide Image Placeholder 1"/>
+          <p:cNvSpPr>
+            <a:spLocks noGrp="1" noRot="1" noChangeAspect="1"/>
+          </p:cNvSpPr>
+          <p:nvPr>
+            <p:ph type="sldImg"/>
+          </p:nvPr>
+        </p:nvSpPr>
+        <p:spPr>
+          <a:xfrm>
+            <a:off x="3517900" y="887413"/>
+            <a:ext cx="3197225" cy="2397125"/>
+          </a:xfrm>
+        </p:spPr>
+      </p:sp>
+      <p:sp>
+        <p:nvSpPr>
+          <p:cNvPr id="3" name="Notes Placeholder 2"/>
+          <p:cNvSpPr>
+            <a:spLocks noGrp="1"/>
+          </p:cNvSpPr>
+          <p:nvPr>
+            <p:ph type="body" idx="1"/>
+          </p:nvPr>
+        </p:nvSpPr>
+        <p:spPr/>
+        <p:txBody>
+          <a:bodyPr/>
+          <a:lstStyle/>
+          <a:p>
+            <a:r>
+              <a:rPr lang="en-GB" dirty="0" smtClean="0"/>
+              <a:t>Using</a:t>
+            </a:r>
+            <a:r>
+              <a:rPr lang="en-GB" baseline="0" dirty="0" smtClean="0"/>
+              <a:t> distributed technologies, s</a:t>
+            </a:r>
+            <a:r>
+              <a:rPr lang="en-GB" dirty="0" smtClean="0"/>
+              <a:t>kewed demand may be isolated so that it only aﬀects parts of a system, or shared equally between diﬀerent components.</a:t>
+            </a:r>
+          </a:p>
+        </p:txBody>
+      </p:sp>
+      <p:sp>
+        <p:nvSpPr>
+          <p:cNvPr id="4" name="Slide Number Placeholder 3"/>
+          <p:cNvSpPr>
+            <a:spLocks noGrp="1"/>
+          </p:cNvSpPr>
+          <p:nvPr>
+            <p:ph type="sldNum" sz="quarter" idx="10"/>
+          </p:nvPr>
+        </p:nvSpPr>
+        <p:spPr/>
+        <p:txBody>
+          <a:bodyPr/>
+          <a:lstStyle/>
+          <a:p>
+            <a:fld id="{CF2FD335-6D8E-486A-8F5F-DFC7325903FF}" type="slidenum">
+              <a:rPr lang="en-US" smtClean="0"/>
+              <a:t>2</a:t>
+            </a:fld>
+            <a:endParaRPr lang="en-US" dirty="0"/>
+          </a:p>
+        </p:txBody>
+      </p:sp>
+      <p:sp>
+        <p:nvSpPr>
+          <p:cNvPr id="5" name="Header Placeholder 4"/>
+          <p:cNvSpPr>
+            <a:spLocks noGrp="1"/>
+          </p:cNvSpPr>
+          <p:nvPr>
+            <p:ph type="hdr" sz="quarter" idx="11"/>
+          </p:nvPr>
+        </p:nvSpPr>
+        <p:spPr/>
+        <p:txBody>
+          <a:bodyPr/>
+          <a:lstStyle/>
+          <a:p>
+            <a:r>
+              <a:rPr lang="en-GB"/>
+              <a:t>Investigating Cloud Technologies to Maximise Availability of Oversubscribed Resources</a:t>
+            </a:r>
+            <a:endParaRPr lang="en-US" dirty="0"/>
+          </a:p>
+        </p:txBody>
+      </p:sp>
+    </p:spTree>
+    <p:extLst>
+      <p:ext uri="{BB962C8B-B14F-4D97-AF65-F5344CB8AC3E}">
+        <p14:creationId xmlns:p14="http://schemas.microsoft.com/office/powerpoint/2010/main" val="118867002"/>
+      </p:ext>
+    </p:extLst>
+  </p:cSld>
+  <p:clrMapOvr>
+    <a:masterClrMapping/>
+  </p:clrMapOvr>
+</p:notes>
+</file>
+
+<file path=ppt/notesSlides/notesSlide20.xml><?xml version="1.0" encoding="utf-8"?>
 <p:notes xmlns:a="http://schemas.openxmlformats.org/drawingml/2006/main" xmlns:r="http://schemas.openxmlformats.org/officeDocument/2006/relationships" xmlns:p="http://schemas.openxmlformats.org/presentationml/2006/main">
   <p:cSld>
     <p:spTree>
@@ -3583,7 +5585,246 @@
 </p:notes>
 </file>
 
-<file path=ppt/notesSlides/notesSlide16.xml><?xml version="1.0" encoding="utf-8"?>
+<file path=ppt/notesSlides/notesSlide21.xml><?xml version="1.0" encoding="utf-8"?>
+<p:notes xmlns:a="http://schemas.openxmlformats.org/drawingml/2006/main" xmlns:r="http://schemas.openxmlformats.org/officeDocument/2006/relationships" xmlns:p="http://schemas.openxmlformats.org/presentationml/2006/main">
+  <p:cSld>
+    <p:spTree>
+      <p:nvGrpSpPr>
+        <p:cNvPr id="1" name=""/>
+        <p:cNvGrpSpPr/>
+        <p:nvPr/>
+      </p:nvGrpSpPr>
+      <p:grpSpPr>
+        <a:xfrm>
+          <a:off x="0" y="0"/>
+          <a:ext cx="0" cy="0"/>
+          <a:chOff x="0" y="0"/>
+          <a:chExt cx="0" cy="0"/>
+        </a:xfrm>
+      </p:grpSpPr>
+      <p:sp>
+        <p:nvSpPr>
+          <p:cNvPr id="2" name="Slide Image Placeholder 1"/>
+          <p:cNvSpPr>
+            <a:spLocks noGrp="1" noRot="1" noChangeAspect="1"/>
+          </p:cNvSpPr>
+          <p:nvPr>
+            <p:ph type="sldImg"/>
+          </p:nvPr>
+        </p:nvSpPr>
+        <p:spPr/>
+      </p:sp>
+      <p:sp>
+        <p:nvSpPr>
+          <p:cNvPr id="3" name="Notes Placeholder 2"/>
+          <p:cNvSpPr>
+            <a:spLocks noGrp="1"/>
+          </p:cNvSpPr>
+          <p:nvPr>
+            <p:ph type="body" idx="1"/>
+          </p:nvPr>
+        </p:nvSpPr>
+        <p:spPr/>
+        <p:txBody>
+          <a:bodyPr/>
+          <a:lstStyle/>
+          <a:p>
+            <a:r>
+              <a:rPr lang="en-GB" dirty="0" smtClean="0"/>
+              <a:t>Comparing the actual – not scaled - athletics</a:t>
+            </a:r>
+            <a:r>
+              <a:rPr lang="en-GB" baseline="0" dirty="0" smtClean="0"/>
+              <a:t> throughputs of the two DB configurations (with and without replication), shows that the throughput is higher for replication, but not by as much as the model predicted.  Next slide indicates what is happening with the data nodes.</a:t>
+            </a:r>
+            <a:endParaRPr lang="en-GB" dirty="0"/>
+          </a:p>
+        </p:txBody>
+      </p:sp>
+      <p:sp>
+        <p:nvSpPr>
+          <p:cNvPr id="4" name="Header Placeholder 3"/>
+          <p:cNvSpPr>
+            <a:spLocks noGrp="1"/>
+          </p:cNvSpPr>
+          <p:nvPr>
+            <p:ph type="hdr" sz="quarter" idx="10"/>
+          </p:nvPr>
+        </p:nvSpPr>
+        <p:spPr/>
+        <p:txBody>
+          <a:bodyPr/>
+          <a:lstStyle/>
+          <a:p>
+            <a:r>
+              <a:rPr lang="en-GB" smtClean="0"/>
+              <a:t>Performance modelling of skewed demand in complex systems</a:t>
+            </a:r>
+            <a:endParaRPr lang="en-US" dirty="0"/>
+          </a:p>
+        </p:txBody>
+      </p:sp>
+      <p:sp>
+        <p:nvSpPr>
+          <p:cNvPr id="5" name="Slide Number Placeholder 4"/>
+          <p:cNvSpPr>
+            <a:spLocks noGrp="1"/>
+          </p:cNvSpPr>
+          <p:nvPr>
+            <p:ph type="sldNum" sz="quarter" idx="11"/>
+          </p:nvPr>
+        </p:nvSpPr>
+        <p:spPr/>
+        <p:txBody>
+          <a:bodyPr/>
+          <a:lstStyle/>
+          <a:p>
+            <a:fld id="{32674CE4-FBD8-4481-AEFB-CA53E599A745}" type="slidenum">
+              <a:rPr lang="en-US" smtClean="0"/>
+              <a:t>21</a:t>
+            </a:fld>
+            <a:endParaRPr lang="en-US" dirty="0"/>
+          </a:p>
+        </p:txBody>
+      </p:sp>
+    </p:spTree>
+    <p:extLst>
+      <p:ext uri="{BB962C8B-B14F-4D97-AF65-F5344CB8AC3E}">
+        <p14:creationId xmlns:p14="http://schemas.microsoft.com/office/powerpoint/2010/main" val="3035472441"/>
+      </p:ext>
+    </p:extLst>
+  </p:cSld>
+  <p:clrMapOvr>
+    <a:masterClrMapping/>
+  </p:clrMapOvr>
+</p:notes>
+</file>
+
+<file path=ppt/notesSlides/notesSlide22.xml><?xml version="1.0" encoding="utf-8"?>
+<p:notes xmlns:a="http://schemas.openxmlformats.org/drawingml/2006/main" xmlns:r="http://schemas.openxmlformats.org/officeDocument/2006/relationships" xmlns:p="http://schemas.openxmlformats.org/presentationml/2006/main">
+  <p:cSld>
+    <p:spTree>
+      <p:nvGrpSpPr>
+        <p:cNvPr id="1" name=""/>
+        <p:cNvGrpSpPr/>
+        <p:nvPr/>
+      </p:nvGrpSpPr>
+      <p:grpSpPr>
+        <a:xfrm>
+          <a:off x="0" y="0"/>
+          <a:ext cx="0" cy="0"/>
+          <a:chOff x="0" y="0"/>
+          <a:chExt cx="0" cy="0"/>
+        </a:xfrm>
+      </p:grpSpPr>
+      <p:sp>
+        <p:nvSpPr>
+          <p:cNvPr id="2" name="Slide Image Placeholder 1"/>
+          <p:cNvSpPr>
+            <a:spLocks noGrp="1" noRot="1" noChangeAspect="1"/>
+          </p:cNvSpPr>
+          <p:nvPr>
+            <p:ph type="sldImg"/>
+          </p:nvPr>
+        </p:nvSpPr>
+        <p:spPr/>
+      </p:sp>
+      <p:sp>
+        <p:nvSpPr>
+          <p:cNvPr id="3" name="Notes Placeholder 2"/>
+          <p:cNvSpPr>
+            <a:spLocks noGrp="1"/>
+          </p:cNvSpPr>
+          <p:nvPr>
+            <p:ph type="body" idx="1"/>
+          </p:nvPr>
+        </p:nvSpPr>
+        <p:spPr/>
+        <p:txBody>
+          <a:bodyPr/>
+          <a:lstStyle/>
+          <a:p>
+            <a:r>
+              <a:rPr lang="en-GB" dirty="0" smtClean="0"/>
+              <a:t>The model</a:t>
+            </a:r>
+            <a:r>
+              <a:rPr lang="en-GB" baseline="0" dirty="0" smtClean="0"/>
+              <a:t> predicted that throughput would be shared equally between both data nodes with Athletics tickets, and both would approach the maximum rate of a single node.</a:t>
+            </a:r>
+          </a:p>
+          <a:p>
+            <a:endParaRPr lang="en-GB" baseline="0" dirty="0" smtClean="0"/>
+          </a:p>
+          <a:p>
+            <a:r>
+              <a:rPr lang="en-GB" baseline="0" dirty="0" smtClean="0"/>
+              <a:t>The results show that these nodes do get increased throughout, but it isn’t equally shared.</a:t>
+            </a:r>
+            <a:endParaRPr lang="en-GB" dirty="0"/>
+          </a:p>
+        </p:txBody>
+      </p:sp>
+      <p:sp>
+        <p:nvSpPr>
+          <p:cNvPr id="4" name="Header Placeholder 3"/>
+          <p:cNvSpPr>
+            <a:spLocks noGrp="1"/>
+          </p:cNvSpPr>
+          <p:nvPr>
+            <p:ph type="hdr" sz="quarter" idx="10"/>
+          </p:nvPr>
+        </p:nvSpPr>
+        <p:spPr/>
+        <p:txBody>
+          <a:bodyPr/>
+          <a:lstStyle/>
+          <a:p>
+            <a:r>
+              <a:rPr lang="en-GB" smtClean="0"/>
+              <a:t>Performance modelling of skewed demand in complex systems</a:t>
+            </a:r>
+            <a:endParaRPr lang="en-US" dirty="0"/>
+          </a:p>
+        </p:txBody>
+      </p:sp>
+      <p:sp>
+        <p:nvSpPr>
+          <p:cNvPr id="5" name="Slide Number Placeholder 4"/>
+          <p:cNvSpPr>
+            <a:spLocks noGrp="1"/>
+          </p:cNvSpPr>
+          <p:nvPr>
+            <p:ph type="sldNum" sz="quarter" idx="11"/>
+          </p:nvPr>
+        </p:nvSpPr>
+        <p:spPr/>
+        <p:txBody>
+          <a:bodyPr/>
+          <a:lstStyle/>
+          <a:p>
+            <a:fld id="{32674CE4-FBD8-4481-AEFB-CA53E599A745}" type="slidenum">
+              <a:rPr lang="en-US" smtClean="0"/>
+              <a:t>22</a:t>
+            </a:fld>
+            <a:endParaRPr lang="en-US" dirty="0"/>
+          </a:p>
+        </p:txBody>
+      </p:sp>
+    </p:spTree>
+    <p:extLst>
+      <p:ext uri="{BB962C8B-B14F-4D97-AF65-F5344CB8AC3E}">
+        <p14:creationId xmlns:p14="http://schemas.microsoft.com/office/powerpoint/2010/main" val="337911505"/>
+      </p:ext>
+    </p:extLst>
+  </p:cSld>
+  <p:clrMapOvr>
+    <a:masterClrMapping/>
+  </p:clrMapOvr>
+</p:notes>
+</file>
+
+<file path=ppt/notesSlides/notesSlide23.xml><?xml version="1.0" encoding="utf-8"?>
 <p:notes xmlns:a="http://schemas.openxmlformats.org/drawingml/2006/main" xmlns:r="http://schemas.openxmlformats.org/officeDocument/2006/relationships" xmlns:p="http://schemas.openxmlformats.org/presentationml/2006/main">
   <p:cSld>
     <p:spTree>
@@ -3695,7 +5936,7 @@
           <a:p>
             <a:fld id="{32674CE4-FBD8-4481-AEFB-CA53E599A745}" type="slidenum">
               <a:rPr lang="en-US" smtClean="0"/>
-              <a:t>22</a:t>
+              <a:t>23</a:t>
             </a:fld>
             <a:endParaRPr lang="en-US" dirty="0"/>
           </a:p>
@@ -3714,7 +5955,7 @@
 </p:notes>
 </file>
 
-<file path=ppt/notesSlides/notesSlide17.xml><?xml version="1.0" encoding="utf-8"?>
+<file path=ppt/notesSlides/notesSlide24.xml><?xml version="1.0" encoding="utf-8"?>
 <p:notes xmlns:a="http://schemas.openxmlformats.org/drawingml/2006/main" xmlns:r="http://schemas.openxmlformats.org/officeDocument/2006/relationships" xmlns:p="http://schemas.openxmlformats.org/presentationml/2006/main">
   <p:cSld>
     <p:spTree>
@@ -3854,7 +6095,7 @@
           <a:p>
             <a:fld id="{32674CE4-FBD8-4481-AEFB-CA53E599A745}" type="slidenum">
               <a:rPr lang="en-US" smtClean="0"/>
-              <a:t>23</a:t>
+              <a:t>24</a:t>
             </a:fld>
             <a:endParaRPr lang="en-US" dirty="0"/>
           </a:p>
@@ -3864,118 +6105,6 @@
     <p:extLst>
       <p:ext uri="{BB962C8B-B14F-4D97-AF65-F5344CB8AC3E}">
         <p14:creationId xmlns:p14="http://schemas.microsoft.com/office/powerpoint/2010/main" val="2261720309"/>
-      </p:ext>
-    </p:extLst>
-  </p:cSld>
-  <p:clrMapOvr>
-    <a:masterClrMapping/>
-  </p:clrMapOvr>
-</p:notes>
-</file>
-
-<file path=ppt/notesSlides/notesSlide2.xml><?xml version="1.0" encoding="utf-8"?>
-<p:notes xmlns:a="http://schemas.openxmlformats.org/drawingml/2006/main" xmlns:r="http://schemas.openxmlformats.org/officeDocument/2006/relationships" xmlns:p="http://schemas.openxmlformats.org/presentationml/2006/main">
-  <p:cSld>
-    <p:spTree>
-      <p:nvGrpSpPr>
-        <p:cNvPr id="1" name=""/>
-        <p:cNvGrpSpPr/>
-        <p:nvPr/>
-      </p:nvGrpSpPr>
-      <p:grpSpPr>
-        <a:xfrm>
-          <a:off x="0" y="0"/>
-          <a:ext cx="0" cy="0"/>
-          <a:chOff x="0" y="0"/>
-          <a:chExt cx="0" cy="0"/>
-        </a:xfrm>
-      </p:grpSpPr>
-      <p:sp>
-        <p:nvSpPr>
-          <p:cNvPr id="2" name="Slide Image Placeholder 1"/>
-          <p:cNvSpPr>
-            <a:spLocks noGrp="1" noRot="1" noChangeAspect="1"/>
-          </p:cNvSpPr>
-          <p:nvPr>
-            <p:ph type="sldImg"/>
-          </p:nvPr>
-        </p:nvSpPr>
-        <p:spPr>
-          <a:xfrm>
-            <a:off x="3517900" y="887413"/>
-            <a:ext cx="3197225" cy="2397125"/>
-          </a:xfrm>
-        </p:spPr>
-      </p:sp>
-      <p:sp>
-        <p:nvSpPr>
-          <p:cNvPr id="3" name="Notes Placeholder 2"/>
-          <p:cNvSpPr>
-            <a:spLocks noGrp="1"/>
-          </p:cNvSpPr>
-          <p:nvPr>
-            <p:ph type="body" idx="1"/>
-          </p:nvPr>
-        </p:nvSpPr>
-        <p:spPr/>
-        <p:txBody>
-          <a:bodyPr/>
-          <a:lstStyle/>
-          <a:p>
-            <a:endParaRPr lang="en-US" dirty="0"/>
-          </a:p>
-        </p:txBody>
-      </p:sp>
-      <p:sp>
-        <p:nvSpPr>
-          <p:cNvPr id="4" name="Slide Number Placeholder 3"/>
-          <p:cNvSpPr>
-            <a:spLocks noGrp="1"/>
-          </p:cNvSpPr>
-          <p:nvPr>
-            <p:ph type="sldNum" sz="quarter" idx="10"/>
-          </p:nvPr>
-        </p:nvSpPr>
-        <p:spPr/>
-        <p:txBody>
-          <a:bodyPr/>
-          <a:lstStyle/>
-          <a:p>
-            <a:fld id="{CF2FD335-6D8E-486A-8F5F-DFC7325903FF}" type="slidenum">
-              <a:rPr lang="en-US" smtClean="0"/>
-              <a:t>2</a:t>
-            </a:fld>
-            <a:endParaRPr lang="en-US" dirty="0"/>
-          </a:p>
-        </p:txBody>
-      </p:sp>
-      <p:sp>
-        <p:nvSpPr>
-          <p:cNvPr id="5" name="Header Placeholder 4"/>
-          <p:cNvSpPr>
-            <a:spLocks noGrp="1"/>
-          </p:cNvSpPr>
-          <p:nvPr>
-            <p:ph type="hdr" sz="quarter" idx="11"/>
-          </p:nvPr>
-        </p:nvSpPr>
-        <p:spPr/>
-        <p:txBody>
-          <a:bodyPr/>
-          <a:lstStyle/>
-          <a:p>
-            <a:r>
-              <a:rPr lang="en-GB"/>
-              <a:t>Investigating Cloud Technologies to Maximise Availability of Oversubscribed Resources</a:t>
-            </a:r>
-            <a:endParaRPr lang="en-US" dirty="0"/>
-          </a:p>
-        </p:txBody>
-      </p:sp>
-    </p:spTree>
-    <p:extLst>
-      <p:ext uri="{BB962C8B-B14F-4D97-AF65-F5344CB8AC3E}">
-        <p14:creationId xmlns:p14="http://schemas.microsoft.com/office/powerpoint/2010/main" val="118867002"/>
       </p:ext>
     </p:extLst>
   </p:cSld>
@@ -4035,9 +6164,58 @@
           <a:lstStyle/>
           <a:p>
             <a:r>
-              <a:rPr lang="en-US" dirty="0"/>
-              <a:t>Real world examples of skewed demand</a:t>
+              <a:rPr lang="en-GB" dirty="0" smtClean="0"/>
+              <a:t>Customers were prevented from using </a:t>
             </a:r>
+            <a:r>
+              <a:rPr lang="en-GB" b="1" dirty="0" smtClean="0"/>
+              <a:t>any part </a:t>
+            </a:r>
+            <a:r>
+              <a:rPr lang="en-GB" dirty="0" smtClean="0"/>
+              <a:t>of the London 2012 Olympic ticketing website on launch day to avoid demand overloading the system.</a:t>
+            </a:r>
+          </a:p>
+          <a:p>
+            <a:endParaRPr lang="en-GB" dirty="0" smtClean="0"/>
+          </a:p>
+          <a:p>
+            <a:r>
+              <a:rPr lang="en-GB" dirty="0" smtClean="0"/>
+              <a:t>Skewed</a:t>
+            </a:r>
+            <a:r>
+              <a:rPr lang="en-GB" baseline="0" dirty="0" smtClean="0"/>
+              <a:t> d</a:t>
+            </a:r>
+            <a:r>
+              <a:rPr lang="en-GB" dirty="0" smtClean="0"/>
+              <a:t>emand for one TV</a:t>
+            </a:r>
+            <a:r>
+              <a:rPr lang="en-GB" baseline="0" dirty="0" smtClean="0"/>
+              <a:t> programme </a:t>
+            </a:r>
+            <a:r>
+              <a:rPr lang="en-GB" dirty="0" smtClean="0"/>
+              <a:t>brought down HBO Go</a:t>
+            </a:r>
+          </a:p>
+          <a:p>
+            <a:endParaRPr lang="en-GB" dirty="0" smtClean="0"/>
+          </a:p>
+          <a:p>
+            <a:r>
+              <a:rPr lang="en-GB" dirty="0" smtClean="0"/>
+              <a:t>Apple’s whole iTunes Store suﬀered outage on the launch day of the iPhone 7</a:t>
+            </a:r>
+            <a:endParaRPr lang="en-US" dirty="0" smtClean="0"/>
+          </a:p>
+          <a:p>
+            <a:endParaRPr lang="en-US" dirty="0" smtClean="0"/>
+          </a:p>
+          <a:p>
+            <a:endParaRPr lang="en-GB" dirty="0" smtClean="0"/>
           </a:p>
         </p:txBody>
       </p:sp>
@@ -4149,6 +6327,38 @@
           <a:bodyPr/>
           <a:lstStyle/>
           <a:p>
+            <a:r>
+              <a:rPr lang="en-US" dirty="0" smtClean="0"/>
+              <a:t>Present a use</a:t>
+            </a:r>
+            <a:r>
+              <a:rPr lang="en-US" baseline="0" dirty="0" smtClean="0"/>
+              <a:t> case and select some distributed Cloud technologies.</a:t>
+            </a:r>
+          </a:p>
+          <a:p>
+            <a:r>
+              <a:rPr lang="en-US" baseline="0" dirty="0" smtClean="0"/>
+              <a:t>Introduce a modelling language called PEPA.</a:t>
+            </a:r>
+          </a:p>
+          <a:p>
+            <a:r>
+              <a:rPr lang="en-US" baseline="0" dirty="0" smtClean="0"/>
+              <a:t>Discuss the methods: produce models, test against built systems</a:t>
+            </a:r>
+          </a:p>
+          <a:p>
+            <a:r>
+              <a:rPr lang="en-US" baseline="0" dirty="0" smtClean="0"/>
+              <a:t>Present the results</a:t>
+            </a:r>
+          </a:p>
+          <a:p>
+            <a:r>
+              <a:rPr lang="en-US" baseline="0" dirty="0" smtClean="0"/>
+              <a:t>Discuss conclusions and ideas for future work</a:t>
+            </a:r>
             <a:endParaRPr lang="en-US" dirty="0"/>
           </a:p>
         </p:txBody>
@@ -4403,6 +6613,131 @@
           <a:lstStyle/>
           <a:p>
             <a:r>
+              <a:rPr lang="en-GB" dirty="0" smtClean="0"/>
+              <a:t>Two different</a:t>
+            </a:r>
+            <a:r>
+              <a:rPr lang="en-GB" baseline="0" dirty="0" smtClean="0"/>
+              <a:t> ways of connecting up distributed system components, message oriented middleware such as queues, </a:t>
+            </a:r>
+            <a:r>
+              <a:rPr lang="en-GB" baseline="0" dirty="0" err="1" smtClean="0"/>
+              <a:t>microservices</a:t>
+            </a:r>
+            <a:r>
+              <a:rPr lang="en-GB" baseline="0" dirty="0" smtClean="0"/>
+              <a:t> architecture</a:t>
+            </a:r>
+          </a:p>
+          <a:p>
+            <a:endParaRPr lang="en-GB" baseline="0" dirty="0" smtClean="0"/>
+          </a:p>
+        </p:txBody>
+      </p:sp>
+      <p:sp>
+        <p:nvSpPr>
+          <p:cNvPr id="4" name="Header Placeholder 3"/>
+          <p:cNvSpPr>
+            <a:spLocks noGrp="1"/>
+          </p:cNvSpPr>
+          <p:nvPr>
+            <p:ph type="hdr" sz="quarter" idx="10"/>
+          </p:nvPr>
+        </p:nvSpPr>
+        <p:spPr/>
+        <p:txBody>
+          <a:bodyPr/>
+          <a:lstStyle/>
+          <a:p>
+            <a:r>
+              <a:rPr lang="en-GB" smtClean="0"/>
+              <a:t>Performance modelling of skewed demand in complex systems</a:t>
+            </a:r>
+            <a:endParaRPr lang="en-US" dirty="0"/>
+          </a:p>
+        </p:txBody>
+      </p:sp>
+      <p:sp>
+        <p:nvSpPr>
+          <p:cNvPr id="5" name="Slide Number Placeholder 4"/>
+          <p:cNvSpPr>
+            <a:spLocks noGrp="1"/>
+          </p:cNvSpPr>
+          <p:nvPr>
+            <p:ph type="sldNum" sz="quarter" idx="11"/>
+          </p:nvPr>
+        </p:nvSpPr>
+        <p:spPr/>
+        <p:txBody>
+          <a:bodyPr/>
+          <a:lstStyle/>
+          <a:p>
+            <a:fld id="{32674CE4-FBD8-4481-AEFB-CA53E599A745}" type="slidenum">
+              <a:rPr lang="en-US" smtClean="0"/>
+              <a:t>6</a:t>
+            </a:fld>
+            <a:endParaRPr lang="en-US" dirty="0"/>
+          </a:p>
+        </p:txBody>
+      </p:sp>
+    </p:spTree>
+    <p:extLst>
+      <p:ext uri="{BB962C8B-B14F-4D97-AF65-F5344CB8AC3E}">
+        <p14:creationId xmlns:p14="http://schemas.microsoft.com/office/powerpoint/2010/main" val="1937506258"/>
+      </p:ext>
+    </p:extLst>
+  </p:cSld>
+  <p:clrMapOvr>
+    <a:masterClrMapping/>
+  </p:clrMapOvr>
+</p:notes>
+</file>
+
+<file path=ppt/notesSlides/notesSlide7.xml><?xml version="1.0" encoding="utf-8"?>
+<p:notes xmlns:a="http://schemas.openxmlformats.org/drawingml/2006/main" xmlns:r="http://schemas.openxmlformats.org/officeDocument/2006/relationships" xmlns:p="http://schemas.openxmlformats.org/presentationml/2006/main">
+  <p:cSld>
+    <p:spTree>
+      <p:nvGrpSpPr>
+        <p:cNvPr id="1" name=""/>
+        <p:cNvGrpSpPr/>
+        <p:nvPr/>
+      </p:nvGrpSpPr>
+      <p:grpSpPr>
+        <a:xfrm>
+          <a:off x="0" y="0"/>
+          <a:ext cx="0" cy="0"/>
+          <a:chOff x="0" y="0"/>
+          <a:chExt cx="0" cy="0"/>
+        </a:xfrm>
+      </p:grpSpPr>
+      <p:sp>
+        <p:nvSpPr>
+          <p:cNvPr id="2" name="Slide Image Placeholder 1"/>
+          <p:cNvSpPr>
+            <a:spLocks noGrp="1" noRot="1" noChangeAspect="1"/>
+          </p:cNvSpPr>
+          <p:nvPr>
+            <p:ph type="sldImg"/>
+          </p:nvPr>
+        </p:nvSpPr>
+        <p:spPr/>
+      </p:sp>
+      <p:sp>
+        <p:nvSpPr>
+          <p:cNvPr id="3" name="Notes Placeholder 2"/>
+          <p:cNvSpPr>
+            <a:spLocks noGrp="1"/>
+          </p:cNvSpPr>
+          <p:nvPr>
+            <p:ph type="body" idx="1"/>
+          </p:nvPr>
+        </p:nvSpPr>
+        <p:spPr/>
+        <p:txBody>
+          <a:bodyPr/>
+          <a:lstStyle/>
+          <a:p>
+            <a:r>
               <a:rPr lang="en-GB" dirty="0"/>
               <a:t>Horizontal partitioning using consistent hashing by sport, tickets for each type of sport on a different data node in a “ring”.</a:t>
             </a:r>
@@ -4494,7 +6829,7 @@
 </p:notes>
 </file>
 
-<file path=ppt/notesSlides/notesSlide7.xml><?xml version="1.0" encoding="utf-8"?>
+<file path=ppt/notesSlides/notesSlide8.xml><?xml version="1.0" encoding="utf-8"?>
 <p:notes xmlns:a="http://schemas.openxmlformats.org/drawingml/2006/main" xmlns:r="http://schemas.openxmlformats.org/officeDocument/2006/relationships" xmlns:p="http://schemas.openxmlformats.org/presentationml/2006/main">
   <p:cSld>
     <p:spTree>
@@ -4613,7 +6948,7 @@
 </p:notes>
 </file>
 
-<file path=ppt/notesSlides/notesSlide8.xml><?xml version="1.0" encoding="utf-8"?>
+<file path=ppt/notesSlides/notesSlide9.xml><?xml version="1.0" encoding="utf-8"?>
 <p:notes xmlns:a="http://schemas.openxmlformats.org/drawingml/2006/main" xmlns:r="http://schemas.openxmlformats.org/officeDocument/2006/relationships" xmlns:p="http://schemas.openxmlformats.org/presentationml/2006/main">
   <p:cSld>
     <p:spTree>
@@ -4723,122 +7058,6 @@
     <p:extLst>
       <p:ext uri="{BB962C8B-B14F-4D97-AF65-F5344CB8AC3E}">
         <p14:creationId xmlns:p14="http://schemas.microsoft.com/office/powerpoint/2010/main" val="4017334128"/>
-      </p:ext>
-    </p:extLst>
-  </p:cSld>
-  <p:clrMapOvr>
-    <a:masterClrMapping/>
-  </p:clrMapOvr>
-</p:notes>
-</file>
-
-<file path=ppt/notesSlides/notesSlide9.xml><?xml version="1.0" encoding="utf-8"?>
-<p:notes xmlns:a="http://schemas.openxmlformats.org/drawingml/2006/main" xmlns:r="http://schemas.openxmlformats.org/officeDocument/2006/relationships" xmlns:p="http://schemas.openxmlformats.org/presentationml/2006/main">
-  <p:cSld>
-    <p:spTree>
-      <p:nvGrpSpPr>
-        <p:cNvPr id="1" name=""/>
-        <p:cNvGrpSpPr/>
-        <p:nvPr/>
-      </p:nvGrpSpPr>
-      <p:grpSpPr>
-        <a:xfrm>
-          <a:off x="0" y="0"/>
-          <a:ext cx="0" cy="0"/>
-          <a:chOff x="0" y="0"/>
-          <a:chExt cx="0" cy="0"/>
-        </a:xfrm>
-      </p:grpSpPr>
-      <p:sp>
-        <p:nvSpPr>
-          <p:cNvPr id="2" name="Slide Image Placeholder 1"/>
-          <p:cNvSpPr>
-            <a:spLocks noGrp="1" noRot="1" noChangeAspect="1"/>
-          </p:cNvSpPr>
-          <p:nvPr>
-            <p:ph type="sldImg"/>
-          </p:nvPr>
-        </p:nvSpPr>
-        <p:spPr/>
-      </p:sp>
-      <p:sp>
-        <p:nvSpPr>
-          <p:cNvPr id="3" name="Notes Placeholder 2"/>
-          <p:cNvSpPr>
-            <a:spLocks noGrp="1"/>
-          </p:cNvSpPr>
-          <p:nvPr>
-            <p:ph type="body" idx="1"/>
-          </p:nvPr>
-        </p:nvSpPr>
-        <p:spPr/>
-        <p:txBody>
-          <a:bodyPr/>
-          <a:lstStyle/>
-          <a:p>
-            <a:r>
-              <a:rPr lang="en-GB" dirty="0"/>
-              <a:t>Combining component models – queue model in red, distributed DB with replication in blue.</a:t>
-            </a:r>
-          </a:p>
-          <a:p>
-            <a:r>
-              <a:rPr lang="en-GB" dirty="0"/>
-              <a:t>Shared activities in purple.</a:t>
-            </a:r>
-          </a:p>
-        </p:txBody>
-      </p:sp>
-      <p:sp>
-        <p:nvSpPr>
-          <p:cNvPr id="4" name="Header Placeholder 3"/>
-          <p:cNvSpPr>
-            <a:spLocks noGrp="1"/>
-          </p:cNvSpPr>
-          <p:nvPr>
-            <p:ph type="hdr" sz="quarter" idx="10"/>
-          </p:nvPr>
-        </p:nvSpPr>
-        <p:spPr/>
-        <p:txBody>
-          <a:bodyPr/>
-          <a:lstStyle/>
-          <a:p>
-            <a:r>
-              <a:rPr lang="en-GB"/>
-              <a:t>Performance modelling of skewed demand in complex systems</a:t>
-            </a:r>
-            <a:endParaRPr lang="en-US" dirty="0"/>
-          </a:p>
-        </p:txBody>
-      </p:sp>
-      <p:sp>
-        <p:nvSpPr>
-          <p:cNvPr id="5" name="Slide Number Placeholder 4"/>
-          <p:cNvSpPr>
-            <a:spLocks noGrp="1"/>
-          </p:cNvSpPr>
-          <p:nvPr>
-            <p:ph type="sldNum" sz="quarter" idx="11"/>
-          </p:nvPr>
-        </p:nvSpPr>
-        <p:spPr/>
-        <p:txBody>
-          <a:bodyPr/>
-          <a:lstStyle/>
-          <a:p>
-            <a:fld id="{32674CE4-FBD8-4481-AEFB-CA53E599A745}" type="slidenum">
-              <a:rPr lang="en-US" smtClean="0"/>
-              <a:t>11</a:t>
-            </a:fld>
-            <a:endParaRPr lang="en-US" dirty="0"/>
-          </a:p>
-        </p:txBody>
-      </p:sp>
-    </p:spTree>
-    <p:extLst>
-      <p:ext uri="{BB962C8B-B14F-4D97-AF65-F5344CB8AC3E}">
-        <p14:creationId xmlns:p14="http://schemas.microsoft.com/office/powerpoint/2010/main" val="1564677072"/>
       </p:ext>
     </p:extLst>
   </p:cSld>
@@ -5074,7 +7293,7 @@
           <a:p>
             <a:fld id="{7771C5EE-092C-40CC-8A8A-128E1348AF39}" type="datetime1">
               <a:rPr lang="en-US" smtClean="0"/>
-              <a:t>8/6/2017</a:t>
+              <a:t>8/7/2017</a:t>
             </a:fld>
             <a:endParaRPr lang="en-US" dirty="0"/>
           </a:p>
@@ -5287,7 +7506,7 @@
           <a:p>
             <a:fld id="{244E18C1-1C22-49DD-AE37-A1D9F3CCB5F1}" type="datetime1">
               <a:rPr lang="en-US" smtClean="0"/>
-              <a:t>8/6/2017</a:t>
+              <a:t>8/7/2017</a:t>
             </a:fld>
             <a:endParaRPr lang="en-US" dirty="0"/>
           </a:p>
@@ -5543,7 +7762,7 @@
           <a:p>
             <a:fld id="{158DF756-D03C-423D-9D3E-8F13328AD938}" type="datetime1">
               <a:rPr lang="en-US" smtClean="0"/>
-              <a:t>8/6/2017</a:t>
+              <a:t>8/7/2017</a:t>
             </a:fld>
             <a:endParaRPr lang="en-US" dirty="0"/>
           </a:p>
@@ -5725,7 +7944,7 @@
           <a:p>
             <a:fld id="{1D201C6E-E801-4622-ACD6-6D3E440B7E9F}" type="datetime1">
               <a:rPr lang="en-US" smtClean="0"/>
-              <a:t>8/6/2017</a:t>
+              <a:t>8/7/2017</a:t>
             </a:fld>
             <a:endParaRPr lang="en-US" dirty="0"/>
           </a:p>
@@ -6073,7 +8292,7 @@
           <a:p>
             <a:fld id="{83F383AC-3A9F-411E-AF64-24CC5B1A8A1F}" type="datetime1">
               <a:rPr lang="en-US" smtClean="0"/>
-              <a:t>8/6/2017</a:t>
+              <a:t>8/7/2017</a:t>
             </a:fld>
             <a:endParaRPr lang="en-US" dirty="0"/>
           </a:p>
@@ -6348,7 +8567,7 @@
           <a:p>
             <a:fld id="{07A021C6-25F7-4CF3-B4F3-58EBEF19DC1A}" type="datetime1">
               <a:rPr lang="en-US" smtClean="0"/>
-              <a:t>8/6/2017</a:t>
+              <a:t>8/7/2017</a:t>
             </a:fld>
             <a:endParaRPr lang="en-US" dirty="0"/>
           </a:p>
@@ -6743,7 +8962,7 @@
           <a:p>
             <a:fld id="{85A82020-1178-4CE4-8F48-86D145A92BCA}" type="datetime1">
               <a:rPr lang="en-US" smtClean="0"/>
-              <a:t>8/6/2017</a:t>
+              <a:t>8/7/2017</a:t>
             </a:fld>
             <a:endParaRPr lang="en-US" dirty="0"/>
           </a:p>
@@ -6866,7 +9085,7 @@
           <a:p>
             <a:fld id="{93238CD5-84C8-40A8-8EA2-862B99E41D91}" type="datetime1">
               <a:rPr lang="en-US" smtClean="0"/>
-              <a:t>8/6/2017</a:t>
+              <a:t>8/7/2017</a:t>
             </a:fld>
             <a:endParaRPr lang="en-US" dirty="0"/>
           </a:p>
@@ -7037,7 +9256,7 @@
           <a:p>
             <a:fld id="{4E03BAD6-DBDC-4F27-8685-DA52B784370A}" type="datetime1">
               <a:rPr lang="en-US" smtClean="0"/>
-              <a:t>8/6/2017</a:t>
+              <a:t>8/7/2017</a:t>
             </a:fld>
             <a:endParaRPr lang="en-US" dirty="0"/>
           </a:p>
@@ -7391,7 +9610,7 @@
           <a:p>
             <a:fld id="{924C2B06-A0C8-47FA-B5E8-445597AE8F10}" type="datetime1">
               <a:rPr lang="en-US" smtClean="0"/>
-              <a:t>8/6/2017</a:t>
+              <a:t>8/7/2017</a:t>
             </a:fld>
             <a:endParaRPr lang="en-US" dirty="0"/>
           </a:p>
@@ -7767,7 +9986,7 @@
           <a:p>
             <a:fld id="{9FAAE80D-0A75-4E48-9B5F-5067DB17136E}" type="datetime1">
               <a:rPr lang="en-US" smtClean="0"/>
-              <a:t>8/6/2017</a:t>
+              <a:t>8/7/2017</a:t>
             </a:fld>
             <a:endParaRPr lang="en-US" dirty="0"/>
           </a:p>
@@ -8054,7 +10273,7 @@
           <a:p>
             <a:fld id="{8C49DDC1-AA13-4819-AAC4-5A3AECEB23F0}" type="datetime1">
               <a:rPr lang="en-US" smtClean="0"/>
-              <a:t>8/6/2017</a:t>
+              <a:t>8/7/2017</a:t>
             </a:fld>
             <a:endParaRPr lang="en-US" dirty="0"/>
           </a:p>
@@ -9901,7 +12120,7 @@
           </p:nvPr>
         </p:nvPicPr>
         <p:blipFill rotWithShape="1">
-          <a:blip r:embed="rId2">
+          <a:blip r:embed="rId3">
             <a:extLst>
               <a:ext uri="{28A0092B-C50C-407E-A947-70E740481C1C}">
                 <a14:useLocalDpi xmlns:a14="http://schemas.microsoft.com/office/drawing/2010/main" val="0"/>
@@ -10166,7 +12385,7 @@
             <p:ph sz="half" idx="1"/>
             <p:extLst>
               <p:ext uri="{D42A27DB-BD31-4B8C-83A1-F6EECF244321}">
-                <p14:modId xmlns:p14="http://schemas.microsoft.com/office/powerpoint/2010/main" val="92550159"/>
+                <p14:modId xmlns:p14="http://schemas.microsoft.com/office/powerpoint/2010/main" val="1316319544"/>
               </p:ext>
             </p:extLst>
           </p:nvPr>
@@ -10212,15 +12431,32 @@
                     <a:p>
                       <a:pPr algn="ctr" fontAlgn="b"/>
                       <a:r>
-                        <a:rPr lang="en-GB" sz="1600" b="1" i="0" u="none" strike="noStrike" dirty="0">
+                        <a:rPr lang="en-GB" sz="1600" b="1" i="0" u="none" strike="noStrike" dirty="0" smtClean="0">
                           <a:solidFill>
                             <a:srgbClr val="000000"/>
                           </a:solidFill>
                           <a:effectLst/>
                           <a:latin typeface="Calibri" panose="020F0502020204030204" pitchFamily="34" charset="0"/>
                         </a:rPr>
-                        <a:t>Athletics demand</a:t>
+                        <a:t>Athletics</a:t>
                       </a:r>
+                      <a:r>
+                        <a:rPr lang="en-GB" sz="1600" b="1" i="0" u="none" strike="noStrike" baseline="0" dirty="0" smtClean="0">
+                          <a:solidFill>
+                            <a:srgbClr val="000000"/>
+                          </a:solidFill>
+                          <a:effectLst/>
+                          <a:latin typeface="Calibri" panose="020F0502020204030204" pitchFamily="34" charset="0"/>
+                        </a:rPr>
+                        <a:t> Demand</a:t>
+                      </a:r>
+                      <a:endParaRPr lang="en-GB" sz="1600" b="1" i="0" u="none" strike="noStrike" dirty="0">
+                        <a:solidFill>
+                          <a:srgbClr val="000000"/>
+                        </a:solidFill>
+                        <a:effectLst/>
+                        <a:latin typeface="Calibri" panose="020F0502020204030204" pitchFamily="34" charset="0"/>
+                      </a:endParaRPr>
                     </a:p>
                   </a:txBody>
                   <a:tcPr marL="9525" marR="9525" marT="9525" marB="0" anchor="ctr">
@@ -12182,7 +14418,7 @@
             <p:ph sz="half" idx="2"/>
             <p:extLst>
               <p:ext uri="{D42A27DB-BD31-4B8C-83A1-F6EECF244321}">
-                <p14:modId xmlns:p14="http://schemas.microsoft.com/office/powerpoint/2010/main" val="4292006130"/>
+                <p14:modId xmlns:p14="http://schemas.microsoft.com/office/powerpoint/2010/main" val="507361310"/>
               </p:ext>
             </p:extLst>
           </p:nvPr>
@@ -12235,15 +14471,32 @@
                     <a:p>
                       <a:pPr algn="ctr" fontAlgn="b"/>
                       <a:r>
-                        <a:rPr lang="en-GB" sz="1600" b="1" i="0" u="none" strike="noStrike" dirty="0">
+                        <a:rPr lang="en-GB" sz="1600" b="1" i="0" u="none" strike="noStrike" dirty="0" smtClean="0">
                           <a:solidFill>
                             <a:srgbClr val="000000"/>
                           </a:solidFill>
                           <a:effectLst/>
                           <a:latin typeface="Calibri" panose="020F0502020204030204" pitchFamily="34" charset="0"/>
                         </a:rPr>
-                        <a:t>Athletics demand</a:t>
+                        <a:t>Athletics</a:t>
                       </a:r>
+                      <a:r>
+                        <a:rPr lang="en-GB" sz="1600" b="1" i="0" u="none" strike="noStrike" baseline="0" dirty="0" smtClean="0">
+                          <a:solidFill>
+                            <a:srgbClr val="000000"/>
+                          </a:solidFill>
+                          <a:effectLst/>
+                          <a:latin typeface="Calibri" panose="020F0502020204030204" pitchFamily="34" charset="0"/>
+                        </a:rPr>
+                        <a:t> Demand</a:t>
+                      </a:r>
+                      <a:endParaRPr lang="en-GB" sz="1600" b="1" i="0" u="none" strike="noStrike" dirty="0">
+                        <a:solidFill>
+                          <a:srgbClr val="000000"/>
+                        </a:solidFill>
+                        <a:effectLst/>
+                        <a:latin typeface="Calibri" panose="020F0502020204030204" pitchFamily="34" charset="0"/>
+                      </a:endParaRPr>
                     </a:p>
                   </a:txBody>
                   <a:tcPr marL="9525" marR="9525" marT="9525" marB="0" anchor="ctr">
@@ -14924,7 +17177,7 @@
           <p:nvPr/>
         </p:nvPicPr>
         <p:blipFill>
-          <a:blip r:embed="rId2"/>
+          <a:blip r:embed="rId3"/>
           <a:stretch>
             <a:fillRect/>
           </a:stretch>
@@ -15030,7 +17283,7 @@
             <p:ph sz="half" idx="1"/>
             <p:extLst>
               <p:ext uri="{D42A27DB-BD31-4B8C-83A1-F6EECF244321}">
-                <p14:modId xmlns:p14="http://schemas.microsoft.com/office/powerpoint/2010/main" val="280203550"/>
+                <p14:modId xmlns:p14="http://schemas.microsoft.com/office/powerpoint/2010/main" val="974765656"/>
               </p:ext>
             </p:extLst>
           </p:nvPr>
@@ -15083,15 +17336,32 @@
                     <a:p>
                       <a:pPr algn="ctr" fontAlgn="b"/>
                       <a:r>
-                        <a:rPr lang="en-GB" sz="1600" b="1" i="0" u="none" strike="noStrike" dirty="0">
+                        <a:rPr lang="en-GB" sz="1600" b="1" i="0" u="none" strike="noStrike" dirty="0" smtClean="0">
                           <a:solidFill>
                             <a:srgbClr val="000000"/>
                           </a:solidFill>
                           <a:effectLst/>
                           <a:latin typeface="Calibri" panose="020F0502020204030204" pitchFamily="34" charset="0"/>
                         </a:rPr>
-                        <a:t>Athletics demand</a:t>
+                        <a:t>Athletics</a:t>
                       </a:r>
+                      <a:r>
+                        <a:rPr lang="en-GB" sz="1600" b="1" i="0" u="none" strike="noStrike" baseline="0" dirty="0" smtClean="0">
+                          <a:solidFill>
+                            <a:srgbClr val="000000"/>
+                          </a:solidFill>
+                          <a:effectLst/>
+                          <a:latin typeface="Calibri" panose="020F0502020204030204" pitchFamily="34" charset="0"/>
+                        </a:rPr>
+                        <a:t> Demand</a:t>
+                      </a:r>
+                      <a:endParaRPr lang="en-GB" sz="1600" b="1" i="0" u="none" strike="noStrike" dirty="0">
+                        <a:solidFill>
+                          <a:srgbClr val="000000"/>
+                        </a:solidFill>
+                        <a:effectLst/>
+                        <a:latin typeface="Calibri" panose="020F0502020204030204" pitchFamily="34" charset="0"/>
+                      </a:endParaRPr>
                     </a:p>
                   </a:txBody>
                   <a:tcPr marL="9525" marR="9525" marT="9525" marB="0" anchor="ctr">
@@ -17680,7 +19950,7 @@
             <p:ph sz="half" idx="2"/>
             <p:extLst>
               <p:ext uri="{D42A27DB-BD31-4B8C-83A1-F6EECF244321}">
-                <p14:modId xmlns:p14="http://schemas.microsoft.com/office/powerpoint/2010/main" val="4194301697"/>
+                <p14:modId xmlns:p14="http://schemas.microsoft.com/office/powerpoint/2010/main" val="1572302360"/>
               </p:ext>
             </p:extLst>
           </p:nvPr>
@@ -17733,15 +20003,32 @@
                     <a:p>
                       <a:pPr algn="ctr" fontAlgn="b"/>
                       <a:r>
-                        <a:rPr lang="en-GB" sz="1600" b="1" i="0" u="none" strike="noStrike" dirty="0">
+                        <a:rPr lang="en-GB" sz="1600" b="1" i="0" u="none" strike="noStrike" dirty="0" smtClean="0">
                           <a:solidFill>
                             <a:srgbClr val="000000"/>
                           </a:solidFill>
                           <a:effectLst/>
                           <a:latin typeface="Calibri" panose="020F0502020204030204" pitchFamily="34" charset="0"/>
                         </a:rPr>
-                        <a:t>Athletics demand</a:t>
+                        <a:t>Athletics</a:t>
                       </a:r>
+                      <a:r>
+                        <a:rPr lang="en-GB" sz="1600" b="1" i="0" u="none" strike="noStrike" baseline="0" dirty="0" smtClean="0">
+                          <a:solidFill>
+                            <a:srgbClr val="000000"/>
+                          </a:solidFill>
+                          <a:effectLst/>
+                          <a:latin typeface="Calibri" panose="020F0502020204030204" pitchFamily="34" charset="0"/>
+                        </a:rPr>
+                        <a:t> Demand</a:t>
+                      </a:r>
+                      <a:endParaRPr lang="en-GB" sz="1600" b="1" i="0" u="none" strike="noStrike" dirty="0">
+                        <a:solidFill>
+                          <a:srgbClr val="000000"/>
+                        </a:solidFill>
+                        <a:effectLst/>
+                        <a:latin typeface="Calibri" panose="020F0502020204030204" pitchFamily="34" charset="0"/>
+                      </a:endParaRPr>
                     </a:p>
                   </a:txBody>
                   <a:tcPr marL="9525" marR="9525" marT="9525" marB="0" anchor="ctr">
@@ -20426,7 +22713,7 @@
           <p:nvPr/>
         </p:nvPicPr>
         <p:blipFill>
-          <a:blip r:embed="rId2"/>
+          <a:blip r:embed="rId3"/>
           <a:stretch>
             <a:fillRect/>
           </a:stretch>
@@ -20645,7 +22932,7 @@
             <p:ph sz="half" idx="1"/>
             <p:extLst>
               <p:ext uri="{D42A27DB-BD31-4B8C-83A1-F6EECF244321}">
-                <p14:modId xmlns:p14="http://schemas.microsoft.com/office/powerpoint/2010/main" val="3398728728"/>
+                <p14:modId xmlns:p14="http://schemas.microsoft.com/office/powerpoint/2010/main" val="3484381740"/>
               </p:ext>
             </p:extLst>
           </p:nvPr>
@@ -20696,11 +22983,34 @@
                     <a:bodyPr/>
                     <a:lstStyle/>
                     <a:p>
-                      <a:pPr algn="ctr"/>
+                      <a:pPr algn="ctr" fontAlgn="b"/>
                       <a:r>
-                        <a:rPr lang="en-GB" sz="1600" b="1" dirty="0"/>
-                        <a:t>Athletics demand</a:t>
+                        <a:rPr lang="en-GB" sz="1600" b="1" i="0" u="none" strike="noStrike" dirty="0" smtClean="0">
+                          <a:solidFill>
+                            <a:srgbClr val="000000"/>
+                          </a:solidFill>
+                          <a:effectLst/>
+                          <a:latin typeface="Calibri" panose="020F0502020204030204" pitchFamily="34" charset="0"/>
+                        </a:rPr>
+                        <a:t>Athletics</a:t>
                       </a:r>
+                      <a:r>
+                        <a:rPr lang="en-GB" sz="1600" b="1" i="0" u="none" strike="noStrike" baseline="0" dirty="0" smtClean="0">
+                          <a:solidFill>
+                            <a:srgbClr val="000000"/>
+                          </a:solidFill>
+                          <a:effectLst/>
+                          <a:latin typeface="Calibri" panose="020F0502020204030204" pitchFamily="34" charset="0"/>
+                        </a:rPr>
+                        <a:t> Demand</a:t>
+                      </a:r>
+                      <a:endParaRPr lang="en-GB" sz="1600" b="1" i="0" u="none" strike="noStrike" dirty="0">
+                        <a:solidFill>
+                          <a:srgbClr val="000000"/>
+                        </a:solidFill>
+                        <a:effectLst/>
+                        <a:latin typeface="Calibri" panose="020F0502020204030204" pitchFamily="34" charset="0"/>
+                      </a:endParaRPr>
                     </a:p>
                   </a:txBody>
                   <a:tcPr anchor="ctr">
@@ -23421,7 +25731,7 @@
             <p:ph sz="half" idx="2"/>
             <p:extLst>
               <p:ext uri="{D42A27DB-BD31-4B8C-83A1-F6EECF244321}">
-                <p14:modId xmlns:p14="http://schemas.microsoft.com/office/powerpoint/2010/main" val="1101679135"/>
+                <p14:modId xmlns:p14="http://schemas.microsoft.com/office/powerpoint/2010/main" val="2344848689"/>
               </p:ext>
             </p:extLst>
           </p:nvPr>
@@ -23472,11 +25782,34 @@
                     <a:bodyPr/>
                     <a:lstStyle/>
                     <a:p>
-                      <a:pPr algn="ctr"/>
+                      <a:pPr algn="ctr" fontAlgn="b"/>
                       <a:r>
-                        <a:rPr lang="en-GB" sz="1600" b="1" dirty="0"/>
-                        <a:t>Athletics demand</a:t>
+                        <a:rPr lang="en-GB" sz="1600" b="1" i="0" u="none" strike="noStrike" dirty="0" smtClean="0">
+                          <a:solidFill>
+                            <a:srgbClr val="000000"/>
+                          </a:solidFill>
+                          <a:effectLst/>
+                          <a:latin typeface="Calibri" panose="020F0502020204030204" pitchFamily="34" charset="0"/>
+                        </a:rPr>
+                        <a:t>Athletics</a:t>
                       </a:r>
+                      <a:r>
+                        <a:rPr lang="en-GB" sz="1600" b="1" i="0" u="none" strike="noStrike" baseline="0" dirty="0" smtClean="0">
+                          <a:solidFill>
+                            <a:srgbClr val="000000"/>
+                          </a:solidFill>
+                          <a:effectLst/>
+                          <a:latin typeface="Calibri" panose="020F0502020204030204" pitchFamily="34" charset="0"/>
+                        </a:rPr>
+                        <a:t> Demand</a:t>
+                      </a:r>
+                      <a:endParaRPr lang="en-GB" sz="1600" b="1" i="0" u="none" strike="noStrike" dirty="0">
+                        <a:solidFill>
+                          <a:srgbClr val="000000"/>
+                        </a:solidFill>
+                        <a:effectLst/>
+                        <a:latin typeface="Calibri" panose="020F0502020204030204" pitchFamily="34" charset="0"/>
+                      </a:endParaRPr>
                     </a:p>
                   </a:txBody>
                   <a:tcPr anchor="ctr">
@@ -26250,6 +28583,107 @@
           <a:lstStyle/>
           <a:p>
             <a:r>
+              <a:rPr lang="en-GB" dirty="0" smtClean="0"/>
+              <a:t>Results (replication)</a:t>
+            </a:r>
+            <a:endParaRPr lang="en-GB" dirty="0"/>
+          </a:p>
+        </p:txBody>
+      </p:sp>
+      <p:graphicFrame>
+        <p:nvGraphicFramePr>
+          <p:cNvPr id="11" name="Content Placeholder 10"/>
+          <p:cNvGraphicFramePr>
+            <a:graphicFrameLocks noGrp="1"/>
+          </p:cNvGraphicFramePr>
+          <p:nvPr>
+            <p:ph idx="1"/>
+            <p:extLst>
+              <p:ext uri="{D42A27DB-BD31-4B8C-83A1-F6EECF244321}">
+                <p14:modId xmlns:p14="http://schemas.microsoft.com/office/powerpoint/2010/main" val="2999629747"/>
+              </p:ext>
+            </p:extLst>
+          </p:nvPr>
+        </p:nvGraphicFramePr>
+        <p:xfrm>
+          <a:off x="822325" y="1846263"/>
+          <a:ext cx="7543800" cy="4022725"/>
+        </p:xfrm>
+        <a:graphic>
+          <a:graphicData uri="http://schemas.openxmlformats.org/drawingml/2006/chart">
+            <c:chart xmlns:c="http://schemas.openxmlformats.org/drawingml/2006/chart" xmlns:r="http://schemas.openxmlformats.org/officeDocument/2006/relationships" r:id="rId3"/>
+          </a:graphicData>
+        </a:graphic>
+      </p:graphicFrame>
+      <p:sp>
+        <p:nvSpPr>
+          <p:cNvPr id="5" name="Slide Number Placeholder 4"/>
+          <p:cNvSpPr>
+            <a:spLocks noGrp="1"/>
+          </p:cNvSpPr>
+          <p:nvPr>
+            <p:ph type="sldNum" sz="quarter" idx="12"/>
+          </p:nvPr>
+        </p:nvSpPr>
+        <p:spPr/>
+        <p:txBody>
+          <a:bodyPr/>
+          <a:lstStyle/>
+          <a:p>
+            <a:fld id="{401CF334-2D5C-4859-84A6-CA7E6E43FAEB}" type="slidenum">
+              <a:rPr lang="en-US" smtClean="0"/>
+              <a:t>21</a:t>
+            </a:fld>
+            <a:endParaRPr lang="en-US" dirty="0"/>
+          </a:p>
+        </p:txBody>
+      </p:sp>
+    </p:spTree>
+    <p:extLst>
+      <p:ext uri="{BB962C8B-B14F-4D97-AF65-F5344CB8AC3E}">
+        <p14:creationId xmlns:p14="http://schemas.microsoft.com/office/powerpoint/2010/main" val="2626122025"/>
+      </p:ext>
+    </p:extLst>
+  </p:cSld>
+  <p:clrMapOvr>
+    <a:masterClrMapping/>
+  </p:clrMapOvr>
+</p:sld>
+</file>
+
+<file path=ppt/slides/slide22.xml><?xml version="1.0" encoding="utf-8"?>
+<p:sld xmlns:a="http://schemas.openxmlformats.org/drawingml/2006/main" xmlns:r="http://schemas.openxmlformats.org/officeDocument/2006/relationships" xmlns:p="http://schemas.openxmlformats.org/presentationml/2006/main">
+  <p:cSld>
+    <p:spTree>
+      <p:nvGrpSpPr>
+        <p:cNvPr id="1" name=""/>
+        <p:cNvGrpSpPr/>
+        <p:nvPr/>
+      </p:nvGrpSpPr>
+      <p:grpSpPr>
+        <a:xfrm>
+          <a:off x="0" y="0"/>
+          <a:ext cx="0" cy="0"/>
+          <a:chOff x="0" y="0"/>
+          <a:chExt cx="0" cy="0"/>
+        </a:xfrm>
+      </p:grpSpPr>
+      <p:sp>
+        <p:nvSpPr>
+          <p:cNvPr id="2" name="Title 1"/>
+          <p:cNvSpPr>
+            <a:spLocks noGrp="1"/>
+          </p:cNvSpPr>
+          <p:nvPr>
+            <p:ph type="title"/>
+          </p:nvPr>
+        </p:nvSpPr>
+        <p:spPr/>
+        <p:txBody>
+          <a:bodyPr/>
+          <a:lstStyle/>
+          <a:p>
+            <a:r>
               <a:rPr lang="en-US" dirty="0"/>
               <a:t>Results (model vs built)</a:t>
             </a:r>
@@ -26283,7 +28717,7 @@
         </p:xfrm>
         <a:graphic>
           <a:graphicData uri="http://schemas.openxmlformats.org/drawingml/2006/chart">
-            <c:chart xmlns:c="http://schemas.openxmlformats.org/drawingml/2006/chart" xmlns:r="http://schemas.openxmlformats.org/officeDocument/2006/relationships" r:id="rId2"/>
+            <c:chart xmlns:c="http://schemas.openxmlformats.org/drawingml/2006/chart" xmlns:r="http://schemas.openxmlformats.org/officeDocument/2006/relationships" r:id="rId3"/>
           </a:graphicData>
         </a:graphic>
       </p:graphicFrame>
@@ -26314,7 +28748,7 @@
         </p:xfrm>
         <a:graphic>
           <a:graphicData uri="http://schemas.openxmlformats.org/drawingml/2006/chart">
-            <c:chart xmlns:c="http://schemas.openxmlformats.org/drawingml/2006/chart" xmlns:r="http://schemas.openxmlformats.org/officeDocument/2006/relationships" r:id="rId3"/>
+            <c:chart xmlns:c="http://schemas.openxmlformats.org/drawingml/2006/chart" xmlns:r="http://schemas.openxmlformats.org/officeDocument/2006/relationships" r:id="rId4"/>
           </a:graphicData>
         </a:graphic>
       </p:graphicFrame>
@@ -26335,7 +28769,7 @@
           <a:p>
             <a:fld id="{401CF334-2D5C-4859-84A6-CA7E6E43FAEB}" type="slidenum">
               <a:rPr lang="en-US" smtClean="0"/>
-              <a:t>21</a:t>
+              <a:t>22</a:t>
             </a:fld>
             <a:endParaRPr lang="en-US" dirty="0"/>
           </a:p>
@@ -26354,7 +28788,7 @@
 </p:sld>
 </file>
 
-<file path=ppt/slides/slide22.xml><?xml version="1.0" encoding="utf-8"?>
+<file path=ppt/slides/slide23.xml><?xml version="1.0" encoding="utf-8"?>
 <p:sld xmlns:a="http://schemas.openxmlformats.org/drawingml/2006/main" xmlns:r="http://schemas.openxmlformats.org/officeDocument/2006/relationships" xmlns:p="http://schemas.openxmlformats.org/presentationml/2006/main">
   <p:cSld>
     <p:spTree>
@@ -26505,7 +28939,7 @@
             <a:fld id="{401CF334-2D5C-4859-84A6-CA7E6E43FAEB}" type="slidenum">
               <a:rPr lang="en-US" smtClean="0"/>
               <a:pPr/>
-              <a:t>22</a:t>
+              <a:t>23</a:t>
             </a:fld>
             <a:endParaRPr lang="en-US" dirty="0"/>
           </a:p>
@@ -26524,7 +28958,7 @@
 </p:sld>
 </file>
 
-<file path=ppt/slides/slide23.xml><?xml version="1.0" encoding="utf-8"?>
+<file path=ppt/slides/slide24.xml><?xml version="1.0" encoding="utf-8"?>
 <p:sld xmlns:a="http://schemas.openxmlformats.org/drawingml/2006/main" xmlns:r="http://schemas.openxmlformats.org/officeDocument/2006/relationships" xmlns:p="http://schemas.openxmlformats.org/presentationml/2006/main">
   <p:cSld>
     <p:spTree>
@@ -26626,7 +29060,7 @@
           <a:p>
             <a:fld id="{401CF334-2D5C-4859-84A6-CA7E6E43FAEB}" type="slidenum">
               <a:rPr lang="en-US" smtClean="0"/>
-              <a:t>23</a:t>
+              <a:t>24</a:t>
             </a:fld>
             <a:endParaRPr lang="en-US" dirty="0"/>
           </a:p>
